--- a/Презентация.pptx
+++ b/Презентация.pptx
@@ -5,10 +5,10 @@
     <p:sldMasterId id="2147483815" r:id="rId1"/>
   </p:sldMasterIdLst>
   <p:notesMasterIdLst>
-    <p:notesMasterId r:id="rId33"/>
+    <p:notesMasterId r:id="rId31"/>
   </p:notesMasterIdLst>
   <p:handoutMasterIdLst>
-    <p:handoutMasterId r:id="rId34"/>
+    <p:handoutMasterId r:id="rId32"/>
   </p:handoutMasterIdLst>
   <p:sldIdLst>
     <p:sldId id="256" r:id="rId2"/>
@@ -38,10 +38,8 @@
     <p:sldId id="293" r:id="rId26"/>
     <p:sldId id="284" r:id="rId27"/>
     <p:sldId id="285" r:id="rId28"/>
-    <p:sldId id="294" r:id="rId29"/>
-    <p:sldId id="287" r:id="rId30"/>
-    <p:sldId id="289" r:id="rId31"/>
-    <p:sldId id="295" r:id="rId32"/>
+    <p:sldId id="287" r:id="rId29"/>
+    <p:sldId id="289" r:id="rId30"/>
   </p:sldIdLst>
   <p:sldSz cx="12192000" cy="6858000"/>
   <p:notesSz cx="6858000" cy="9144000"/>
@@ -9606,7 +9604,7 @@
         </p:nvSpPr>
         <p:spPr>
           <a:xfrm>
-            <a:off x="715962" y="649879"/>
+            <a:off x="718457" y="602904"/>
             <a:ext cx="10972800" cy="1143000"/>
           </a:xfrm>
         </p:spPr>
@@ -9617,8 +9615,24 @@
           <a:lstStyle/>
           <a:p>
             <a:r>
+              <a:rPr lang="ru-RU" sz="4000" dirty="0"/>
+              <a:t>Жидкокристаллический </a:t>
+            </a:r>
+            <a:r>
+              <a:rPr lang="ru-RU" sz="4000" dirty="0" smtClean="0"/>
+              <a:t>индикатор</a:t>
+            </a:r>
+            <a:r>
               <a:rPr lang="en-US" sz="4000" dirty="0" smtClean="0"/>
-              <a:t>ADC</a:t>
+              <a:t> (</a:t>
+            </a:r>
+            <a:r>
+              <a:rPr lang="ru-RU" sz="4000" dirty="0" smtClean="0"/>
+              <a:t>ЖКИ</a:t>
+            </a:r>
+            <a:r>
+              <a:rPr lang="en-US" sz="4000" dirty="0" smtClean="0"/>
+              <a:t>)</a:t>
             </a:r>
             <a:endParaRPr lang="ru-RU" sz="4000" dirty="0"/>
           </a:p>
@@ -9644,7 +9658,7 @@
               <a:pPr/>
               <a:t>28</a:t>
             </a:fld>
-            <a:endParaRPr lang="ru-RU"/>
+            <a:endParaRPr lang="ru-RU" dirty="0"/>
           </a:p>
         </p:txBody>
       </p:sp>
@@ -9734,40 +9748,121 @@
           <a:noFill/>
         </p:spPr>
       </p:pic>
-      <p:sp>
-        <p:nvSpPr>
-          <p:cNvPr id="7" name="TextBox 6"/>
-          <p:cNvSpPr txBox="1"/>
+      <p:pic>
+        <p:nvPicPr>
+          <p:cNvPr id="3" name="Рисунок 2"/>
+          <p:cNvPicPr>
+            <a:picLocks noChangeAspect="1"/>
+          </p:cNvPicPr>
           <p:nvPr/>
-        </p:nvSpPr>
+        </p:nvPicPr>
+        <p:blipFill>
+          <a:blip r:embed="rId5">
+            <a:extLst>
+              <a:ext uri="{28A0092B-C50C-407E-A947-70E740481C1C}">
+                <a14:useLocalDpi xmlns:a14="http://schemas.microsoft.com/office/drawing/2010/main" val="0"/>
+              </a:ext>
+            </a:extLst>
+          </a:blip>
+          <a:stretch>
+            <a:fillRect/>
+          </a:stretch>
+        </p:blipFill>
         <p:spPr>
           <a:xfrm>
-            <a:off x="4134077" y="2689522"/>
-            <a:ext cx="3314700" cy="369332"/>
+            <a:off x="3638246" y="3608451"/>
+            <a:ext cx="5486400" cy="1984248"/>
           </a:xfrm>
           <a:prstGeom prst="rect">
             <a:avLst/>
           </a:prstGeom>
-          <a:noFill/>
-        </p:spPr>
-        <p:txBody>
-          <a:bodyPr wrap="square" rtlCol="0">
+        </p:spPr>
+      </p:pic>
+      <p:sp>
+        <p:nvSpPr>
+          <p:cNvPr id="6" name="Прямоугольник 5"/>
+          <p:cNvSpPr/>
+          <p:nvPr/>
+        </p:nvSpPr>
+        <p:spPr>
+          <a:xfrm>
+            <a:off x="1162050" y="1656487"/>
+            <a:ext cx="10591800" cy="1754326"/>
+          </a:xfrm>
+          <a:prstGeom prst="rect">
+            <a:avLst/>
+          </a:prstGeom>
+        </p:spPr>
+        <p:txBody>
+          <a:bodyPr wrap="square">
             <a:spAutoFit/>
           </a:bodyPr>
           <a:lstStyle/>
           <a:p>
-            <a:r>
-              <a:rPr lang="ru-RU" b="1" dirty="0" smtClean="0"/>
-              <a:t>ОПИСАНИЕ ЛИБ + ПРИМЕРЫ</a:t>
-            </a:r>
-            <a:endParaRPr lang="ru-RU" b="1" dirty="0"/>
+            <a:pPr indent="625475" algn="just"/>
+            <a:r>
+              <a:rPr lang="ru-RU" dirty="0"/>
+              <a:t>На стенде </a:t>
+            </a:r>
+            <a:r>
+              <a:rPr lang="ru-RU" dirty="0" smtClean="0"/>
+              <a:t>усыновлён ЖКИ </a:t>
+            </a:r>
+            <a:r>
+              <a:rPr lang="en-US" dirty="0" smtClean="0"/>
+              <a:t>p</a:t>
+            </a:r>
+            <a:r>
+              <a:rPr lang="ru-RU" dirty="0" smtClean="0"/>
+              <a:t>1602 с контроллером </a:t>
+            </a:r>
+            <a:r>
+              <a:rPr lang="en-US" dirty="0" smtClean="0"/>
+              <a:t>HD44780</a:t>
+            </a:r>
+            <a:r>
+              <a:rPr lang="ru-RU" dirty="0" smtClean="0"/>
+              <a:t>. Данный контроллер подключён по 4-разрядной шине данных</a:t>
+            </a:r>
+            <a:r>
+              <a:rPr lang="en-US" dirty="0" smtClean="0"/>
+              <a:t> </a:t>
+            </a:r>
+            <a:r>
+              <a:rPr lang="ru-RU" dirty="0" smtClean="0"/>
+              <a:t>и имеет разрешение 16х2. ЖКИ является символьным и способен отображать символы заложенные в памяти  контроллера </a:t>
+            </a:r>
+            <a:r>
+              <a:rPr lang="en-US" dirty="0" smtClean="0"/>
+              <a:t>HD44780</a:t>
+            </a:r>
+            <a:r>
+              <a:rPr lang="ru-RU" dirty="0" smtClean="0"/>
+              <a:t> полный перечень символов можно найти в </a:t>
+            </a:r>
+            <a:r>
+              <a:rPr lang="en-US" dirty="0" smtClean="0"/>
+              <a:t>datasheet-</a:t>
+            </a:r>
+            <a:r>
+              <a:rPr lang="ru-RU" dirty="0" smtClean="0"/>
+              <a:t>е модели ЖКИ. Символы обычно представлены в виде  таблице </a:t>
+            </a:r>
+            <a:r>
+              <a:rPr lang="en-US" dirty="0" smtClean="0"/>
+              <a:t>ASKII</a:t>
+            </a:r>
+            <a:r>
+              <a:rPr lang="ru-RU" dirty="0" smtClean="0"/>
+              <a:t>. Также помимо фиксированной таблице символов есть возможность гарнировать пользовательские символ в размере 8 штук.</a:t>
+            </a:r>
           </a:p>
         </p:txBody>
       </p:sp>
     </p:spTree>
     <p:extLst>
       <p:ext uri="{BB962C8B-B14F-4D97-AF65-F5344CB8AC3E}">
-        <p14:creationId xmlns:p14="http://schemas.microsoft.com/office/powerpoint/2010/main" val="335022725"/>
+        <p14:creationId xmlns:p14="http://schemas.microsoft.com/office/powerpoint/2010/main" val="3638515591"/>
       </p:ext>
     </p:extLst>
   </p:cSld>
@@ -9813,7 +9908,7 @@
         </p:nvSpPr>
         <p:spPr>
           <a:xfrm>
-            <a:off x="718457" y="602904"/>
+            <a:off x="957639" y="-150828"/>
             <a:ext cx="10972800" cy="1143000"/>
           </a:xfrm>
         </p:spPr>
@@ -9824,24 +9919,8 @@
           <a:lstStyle/>
           <a:p>
             <a:r>
-              <a:rPr lang="ru-RU" sz="4000" dirty="0"/>
-              <a:t>Жидкокристаллический </a:t>
-            </a:r>
-            <a:r>
-              <a:rPr lang="ru-RU" sz="4000" dirty="0" smtClean="0"/>
-              <a:t>индикатор</a:t>
-            </a:r>
-            <a:r>
-              <a:rPr lang="en-US" sz="4000" dirty="0" smtClean="0"/>
-              <a:t> (</a:t>
-            </a:r>
-            <a:r>
-              <a:rPr lang="ru-RU" sz="4000" dirty="0" smtClean="0"/>
-              <a:t>ЖКИ</a:t>
-            </a:r>
-            <a:r>
-              <a:rPr lang="en-US" sz="4000" dirty="0" smtClean="0"/>
-              <a:t>)</a:t>
+              <a:rPr lang="en-US" sz="3600" dirty="0" smtClean="0"/>
+              <a:t>Pinout LCD p1602</a:t>
             </a:r>
             <a:endParaRPr lang="ru-RU" sz="4000" dirty="0"/>
           </a:p>
@@ -9857,7 +9936,12 @@
             <p:ph type="sldNum" sz="quarter" idx="12"/>
           </p:nvPr>
         </p:nvSpPr>
-        <p:spPr/>
+        <p:spPr>
+          <a:xfrm>
+            <a:off x="8976782" y="6356351"/>
+            <a:ext cx="2844800" cy="365125"/>
+          </a:xfrm>
+        </p:spPr>
         <p:txBody>
           <a:bodyPr/>
           <a:lstStyle/>
@@ -9866,839 +9950,6 @@
               <a:rPr lang="ru-RU" smtClean="0"/>
               <a:pPr/>
               <a:t>29</a:t>
-            </a:fld>
-            <a:endParaRPr lang="ru-RU" dirty="0"/>
-          </a:p>
-        </p:txBody>
-      </p:sp>
-      <p:pic>
-        <p:nvPicPr>
-          <p:cNvPr id="11" name="Obraz 6" descr="pie_logo"/>
-          <p:cNvPicPr>
-            <a:picLocks noChangeAspect="1" noChangeArrowheads="1"/>
-          </p:cNvPicPr>
-          <p:nvPr/>
-        </p:nvPicPr>
-        <p:blipFill>
-          <a:blip r:embed="rId2" cstate="print"/>
-          <a:srcRect/>
-          <a:stretch>
-            <a:fillRect/>
-          </a:stretch>
-        </p:blipFill>
-        <p:spPr bwMode="auto">
-          <a:xfrm>
-            <a:off x="285720" y="213989"/>
-            <a:ext cx="2786082" cy="679427"/>
-          </a:xfrm>
-          <a:prstGeom prst="rect">
-            <a:avLst/>
-          </a:prstGeom>
-          <a:solidFill>
-            <a:schemeClr val="bg1"/>
-          </a:solidFill>
-          <a:ln w="9525">
-            <a:noFill/>
-            <a:miter lim="800000"/>
-            <a:headEnd/>
-            <a:tailEnd/>
-          </a:ln>
-        </p:spPr>
-      </p:pic>
-      <p:pic>
-        <p:nvPicPr>
-          <p:cNvPr id="12" name="Picture 2" descr="C:\Users\alexi_000\Desktop\ECM\DESIGNS\APPLE\LOGO\apple_logo_empty1_png.png"/>
-          <p:cNvPicPr>
-            <a:picLocks noChangeAspect="1" noChangeArrowheads="1"/>
-          </p:cNvPicPr>
-          <p:nvPr/>
-        </p:nvPicPr>
-        <p:blipFill>
-          <a:blip r:embed="rId3" cstate="print"/>
-          <a:srcRect/>
-          <a:stretch>
-            <a:fillRect/>
-          </a:stretch>
-        </p:blipFill>
-        <p:spPr bwMode="auto">
-          <a:xfrm>
-            <a:off x="9337911" y="0"/>
-            <a:ext cx="2614907" cy="841345"/>
-          </a:xfrm>
-          <a:prstGeom prst="rect">
-            <a:avLst/>
-          </a:prstGeom>
-          <a:noFill/>
-        </p:spPr>
-      </p:pic>
-      <p:pic>
-        <p:nvPicPr>
-          <p:cNvPr id="13" name="Picture 2" descr="C:\AASir\Mamba-new\Apple\Application\SibFU_logo_horizontal.png"/>
-          <p:cNvPicPr>
-            <a:picLocks noChangeAspect="1" noChangeArrowheads="1"/>
-          </p:cNvPicPr>
-          <p:nvPr/>
-        </p:nvPicPr>
-        <p:blipFill>
-          <a:blip r:embed="rId4" cstate="print"/>
-          <a:srcRect/>
-          <a:stretch>
-            <a:fillRect/>
-          </a:stretch>
-        </p:blipFill>
-        <p:spPr bwMode="auto">
-          <a:xfrm>
-            <a:off x="8154315" y="6174805"/>
-            <a:ext cx="3324222" cy="516941"/>
-          </a:xfrm>
-          <a:prstGeom prst="rect">
-            <a:avLst/>
-          </a:prstGeom>
-          <a:noFill/>
-        </p:spPr>
-      </p:pic>
-      <p:pic>
-        <p:nvPicPr>
-          <p:cNvPr id="3" name="Рисунок 2"/>
-          <p:cNvPicPr>
-            <a:picLocks noChangeAspect="1"/>
-          </p:cNvPicPr>
-          <p:nvPr/>
-        </p:nvPicPr>
-        <p:blipFill>
-          <a:blip r:embed="rId5">
-            <a:extLst>
-              <a:ext uri="{28A0092B-C50C-407E-A947-70E740481C1C}">
-                <a14:useLocalDpi xmlns:a14="http://schemas.microsoft.com/office/drawing/2010/main" val="0"/>
-              </a:ext>
-            </a:extLst>
-          </a:blip>
-          <a:stretch>
-            <a:fillRect/>
-          </a:stretch>
-        </p:blipFill>
-        <p:spPr>
-          <a:xfrm>
-            <a:off x="3638246" y="3608451"/>
-            <a:ext cx="5486400" cy="1984248"/>
-          </a:xfrm>
-          <a:prstGeom prst="rect">
-            <a:avLst/>
-          </a:prstGeom>
-        </p:spPr>
-      </p:pic>
-      <p:sp>
-        <p:nvSpPr>
-          <p:cNvPr id="6" name="Прямоугольник 5"/>
-          <p:cNvSpPr/>
-          <p:nvPr/>
-        </p:nvSpPr>
-        <p:spPr>
-          <a:xfrm>
-            <a:off x="1162050" y="1656487"/>
-            <a:ext cx="10591800" cy="1754326"/>
-          </a:xfrm>
-          <a:prstGeom prst="rect">
-            <a:avLst/>
-          </a:prstGeom>
-        </p:spPr>
-        <p:txBody>
-          <a:bodyPr wrap="square">
-            <a:spAutoFit/>
-          </a:bodyPr>
-          <a:lstStyle/>
-          <a:p>
-            <a:pPr indent="625475" algn="just"/>
-            <a:r>
-              <a:rPr lang="ru-RU" dirty="0"/>
-              <a:t>На стенде </a:t>
-            </a:r>
-            <a:r>
-              <a:rPr lang="ru-RU" dirty="0" smtClean="0"/>
-              <a:t>усыновлён ЖКИ </a:t>
-            </a:r>
-            <a:r>
-              <a:rPr lang="en-US" dirty="0" smtClean="0"/>
-              <a:t>p</a:t>
-            </a:r>
-            <a:r>
-              <a:rPr lang="ru-RU" dirty="0" smtClean="0"/>
-              <a:t>1602 с контроллером </a:t>
-            </a:r>
-            <a:r>
-              <a:rPr lang="en-US" dirty="0" smtClean="0"/>
-              <a:t>HD44780</a:t>
-            </a:r>
-            <a:r>
-              <a:rPr lang="ru-RU" dirty="0" smtClean="0"/>
-              <a:t>. Данный контроллер подключён по 4-разрядной шине данных</a:t>
-            </a:r>
-            <a:r>
-              <a:rPr lang="en-US" dirty="0" smtClean="0"/>
-              <a:t> </a:t>
-            </a:r>
-            <a:r>
-              <a:rPr lang="ru-RU" dirty="0" smtClean="0"/>
-              <a:t>и имеет разрешение 16х2. ЖКИ является символьным и способен отображать символы заложенные в памяти  контроллера </a:t>
-            </a:r>
-            <a:r>
-              <a:rPr lang="en-US" dirty="0" smtClean="0"/>
-              <a:t>HD44780</a:t>
-            </a:r>
-            <a:r>
-              <a:rPr lang="ru-RU" dirty="0" smtClean="0"/>
-              <a:t> полный перечень символов можно найти в </a:t>
-            </a:r>
-            <a:r>
-              <a:rPr lang="en-US" dirty="0" smtClean="0"/>
-              <a:t>datasheet-</a:t>
-            </a:r>
-            <a:r>
-              <a:rPr lang="ru-RU" dirty="0" smtClean="0"/>
-              <a:t>е модели ЖКИ. Символы обычно представлены в виде  таблице </a:t>
-            </a:r>
-            <a:r>
-              <a:rPr lang="en-US" dirty="0" smtClean="0"/>
-              <a:t>ASKII</a:t>
-            </a:r>
-            <a:r>
-              <a:rPr lang="ru-RU" dirty="0" smtClean="0"/>
-              <a:t>. Также помимо фиксированной таблице символов есть возможность гарнировать пользовательские символ в размере 8 штук.</a:t>
-            </a:r>
-          </a:p>
-        </p:txBody>
-      </p:sp>
-    </p:spTree>
-    <p:extLst>
-      <p:ext uri="{BB962C8B-B14F-4D97-AF65-F5344CB8AC3E}">
-        <p14:creationId xmlns:p14="http://schemas.microsoft.com/office/powerpoint/2010/main" val="3638515591"/>
-      </p:ext>
-    </p:extLst>
-  </p:cSld>
-  <p:clrMapOvr>
-    <a:masterClrMapping/>
-  </p:clrMapOvr>
-  <p:timing>
-    <p:tnLst>
-      <p:par>
-        <p:cTn id="1" dur="indefinite" restart="never" nodeType="tmRoot"/>
-      </p:par>
-    </p:tnLst>
-  </p:timing>
-</p:sld>
-</file>
-
-<file path=ppt/slides/slide3.xml><?xml version="1.0" encoding="utf-8"?>
-<p:sld xmlns:a="http://schemas.openxmlformats.org/drawingml/2006/main" xmlns:r="http://schemas.openxmlformats.org/officeDocument/2006/relationships" xmlns:p="http://schemas.openxmlformats.org/presentationml/2006/main">
-  <p:cSld>
-    <p:spTree>
-      <p:nvGrpSpPr>
-        <p:cNvPr id="1" name=""/>
-        <p:cNvGrpSpPr/>
-        <p:nvPr/>
-      </p:nvGrpSpPr>
-      <p:grpSpPr>
-        <a:xfrm>
-          <a:off x="0" y="0"/>
-          <a:ext cx="0" cy="0"/>
-          <a:chOff x="0" y="0"/>
-          <a:chExt cx="0" cy="0"/>
-        </a:xfrm>
-      </p:grpSpPr>
-      <p:sp>
-        <p:nvSpPr>
-          <p:cNvPr id="2" name="Номер слайда 1"/>
-          <p:cNvSpPr>
-            <a:spLocks noGrp="1"/>
-          </p:cNvSpPr>
-          <p:nvPr>
-            <p:ph type="sldNum" sz="quarter" idx="12"/>
-          </p:nvPr>
-        </p:nvSpPr>
-        <p:spPr/>
-        <p:txBody>
-          <a:bodyPr/>
-          <a:lstStyle/>
-          <a:p>
-            <a:fld id="{B18FE503-A4D1-4EBB-BF0E-71566B133E7C}" type="slidenum">
-              <a:rPr lang="ru-RU" smtClean="0"/>
-              <a:pPr/>
-              <a:t>3</a:t>
-            </a:fld>
-            <a:endParaRPr lang="ru-RU"/>
-          </a:p>
-        </p:txBody>
-      </p:sp>
-      <p:pic>
-        <p:nvPicPr>
-          <p:cNvPr id="7" name="Obraz 6" descr="pie_logo"/>
-          <p:cNvPicPr>
-            <a:picLocks noChangeAspect="1" noChangeArrowheads="1"/>
-          </p:cNvPicPr>
-          <p:nvPr/>
-        </p:nvPicPr>
-        <p:blipFill>
-          <a:blip r:embed="rId2" cstate="print"/>
-          <a:srcRect/>
-          <a:stretch>
-            <a:fillRect/>
-          </a:stretch>
-        </p:blipFill>
-        <p:spPr bwMode="auto">
-          <a:xfrm>
-            <a:off x="285720" y="213989"/>
-            <a:ext cx="2786082" cy="679427"/>
-          </a:xfrm>
-          <a:prstGeom prst="rect">
-            <a:avLst/>
-          </a:prstGeom>
-          <a:solidFill>
-            <a:schemeClr val="bg1"/>
-          </a:solidFill>
-          <a:ln w="9525">
-            <a:noFill/>
-            <a:miter lim="800000"/>
-            <a:headEnd/>
-            <a:tailEnd/>
-          </a:ln>
-        </p:spPr>
-      </p:pic>
-      <p:pic>
-        <p:nvPicPr>
-          <p:cNvPr id="9" name="Picture 2" descr="C:\Users\alexi_000\Desktop\ECM\DESIGNS\APPLE\LOGO\apple_logo_empty1_png.png"/>
-          <p:cNvPicPr>
-            <a:picLocks noChangeAspect="1" noChangeArrowheads="1"/>
-          </p:cNvPicPr>
-          <p:nvPr/>
-        </p:nvPicPr>
-        <p:blipFill>
-          <a:blip r:embed="rId3" cstate="print"/>
-          <a:srcRect/>
-          <a:stretch>
-            <a:fillRect/>
-          </a:stretch>
-        </p:blipFill>
-        <p:spPr bwMode="auto">
-          <a:xfrm>
-            <a:off x="9337911" y="0"/>
-            <a:ext cx="2614907" cy="841345"/>
-          </a:xfrm>
-          <a:prstGeom prst="rect">
-            <a:avLst/>
-          </a:prstGeom>
-          <a:noFill/>
-        </p:spPr>
-      </p:pic>
-      <p:pic>
-        <p:nvPicPr>
-          <p:cNvPr id="10" name="Picture 2" descr="C:\AASir\Mamba-new\Apple\Application\SibFU_logo_horizontal.png"/>
-          <p:cNvPicPr>
-            <a:picLocks noChangeAspect="1" noChangeArrowheads="1"/>
-          </p:cNvPicPr>
-          <p:nvPr/>
-        </p:nvPicPr>
-        <p:blipFill>
-          <a:blip r:embed="rId4" cstate="print"/>
-          <a:srcRect/>
-          <a:stretch>
-            <a:fillRect/>
-          </a:stretch>
-        </p:blipFill>
-        <p:spPr bwMode="auto">
-          <a:xfrm>
-            <a:off x="8154315" y="6174805"/>
-            <a:ext cx="3324222" cy="516941"/>
-          </a:xfrm>
-          <a:prstGeom prst="rect">
-            <a:avLst/>
-          </a:prstGeom>
-          <a:noFill/>
-        </p:spPr>
-      </p:pic>
-      <p:sp>
-        <p:nvSpPr>
-          <p:cNvPr id="3" name="Объект 2"/>
-          <p:cNvSpPr>
-            <a:spLocks noGrp="1"/>
-          </p:cNvSpPr>
-          <p:nvPr>
-            <p:ph idx="1"/>
-          </p:nvPr>
-        </p:nvSpPr>
-        <p:spPr>
-          <a:xfrm>
-            <a:off x="532702" y="1599184"/>
-            <a:ext cx="11049698" cy="4526980"/>
-          </a:xfrm>
-        </p:spPr>
-        <p:txBody>
-          <a:bodyPr/>
-          <a:lstStyle/>
-          <a:p>
-            <a:pPr marL="0" indent="0">
-              <a:buNone/>
-            </a:pPr>
-            <a:r>
-              <a:rPr lang="ru-RU" b="1" dirty="0"/>
-              <a:t>Битовые операции </a:t>
-            </a:r>
-            <a:r>
-              <a:rPr lang="ru-RU" dirty="0"/>
-              <a:t>(англ. </a:t>
-            </a:r>
-            <a:r>
-              <a:rPr lang="ru-RU" i="1" dirty="0" err="1"/>
-              <a:t>bitwise</a:t>
-            </a:r>
-            <a:r>
-              <a:rPr lang="ru-RU" i="1" dirty="0"/>
-              <a:t> </a:t>
-            </a:r>
-            <a:r>
-              <a:rPr lang="ru-RU" i="1" dirty="0" err="1"/>
-              <a:t>operations</a:t>
-            </a:r>
-            <a:r>
-              <a:rPr lang="ru-RU" dirty="0"/>
-              <a:t>) — операции, производимые над цепочками битов. Выделяют два типа побитовых операций: логические операции и побитовые сдвиги.</a:t>
-            </a:r>
-          </a:p>
-        </p:txBody>
-      </p:sp>
-      <p:graphicFrame>
-        <p:nvGraphicFramePr>
-          <p:cNvPr id="11" name="Объект 4"/>
-          <p:cNvGraphicFramePr>
-            <a:graphicFrameLocks/>
-          </p:cNvGraphicFramePr>
-          <p:nvPr>
-            <p:extLst>
-              <p:ext uri="{D42A27DB-BD31-4B8C-83A1-F6EECF244321}">
-                <p14:modId xmlns:p14="http://schemas.microsoft.com/office/powerpoint/2010/main" val="1353683641"/>
-              </p:ext>
-            </p:extLst>
-          </p:nvPr>
-        </p:nvGraphicFramePr>
-        <p:xfrm>
-          <a:off x="3713526" y="3570140"/>
-          <a:ext cx="4386044" cy="2240280"/>
-        </p:xfrm>
-        <a:graphic>
-          <a:graphicData uri="http://schemas.openxmlformats.org/drawingml/2006/table">
-            <a:tbl>
-              <a:tblPr firstRow="1" bandRow="1">
-                <a:tableStyleId>{93296810-A885-4BE3-A3E7-6D5BEEA58F35}</a:tableStyleId>
-              </a:tblPr>
-              <a:tblGrid>
-                <a:gridCol w="1486388">
-                  <a:extLst>
-                    <a:ext uri="{9D8B030D-6E8A-4147-A177-3AD203B41FA5}">
-                      <a16:colId xmlns:a16="http://schemas.microsoft.com/office/drawing/2014/main" val="3630381652"/>
-                    </a:ext>
-                  </a:extLst>
-                </a:gridCol>
-                <a:gridCol w="2899656">
-                  <a:extLst>
-                    <a:ext uri="{9D8B030D-6E8A-4147-A177-3AD203B41FA5}">
-                      <a16:colId xmlns:a16="http://schemas.microsoft.com/office/drawing/2014/main" val="1971631268"/>
-                    </a:ext>
-                  </a:extLst>
-                </a:gridCol>
-              </a:tblGrid>
-              <a:tr h="335217">
-                <a:tc>
-                  <a:txBody>
-                    <a:bodyPr/>
-                    <a:lstStyle/>
-                    <a:p>
-                      <a:pPr algn="ctr"/>
-                      <a:r>
-                        <a:rPr lang="ru-RU" dirty="0" smtClean="0"/>
-                        <a:t>Оператор</a:t>
-                      </a:r>
-                      <a:endParaRPr lang="ru-RU" dirty="0"/>
-                    </a:p>
-                  </a:txBody>
-                  <a:tcPr/>
-                </a:tc>
-                <a:tc>
-                  <a:txBody>
-                    <a:bodyPr/>
-                    <a:lstStyle/>
-                    <a:p>
-                      <a:pPr algn="ctr"/>
-                      <a:r>
-                        <a:rPr lang="ru-RU" dirty="0" smtClean="0"/>
-                        <a:t>Действие</a:t>
-                      </a:r>
-                      <a:endParaRPr lang="ru-RU" dirty="0"/>
-                    </a:p>
-                  </a:txBody>
-                  <a:tcPr/>
-                </a:tc>
-                <a:extLst>
-                  <a:ext uri="{0D108BD9-81ED-4DB2-BD59-A6C34878D82A}">
-                    <a16:rowId xmlns:a16="http://schemas.microsoft.com/office/drawing/2014/main" val="2872647143"/>
-                  </a:ext>
-                </a:extLst>
-              </a:tr>
-              <a:tr h="286331">
-                <a:tc>
-                  <a:txBody>
-                    <a:bodyPr/>
-                    <a:lstStyle/>
-                    <a:p>
-                      <a:pPr algn="ctr" fontAlgn="ctr"/>
-                      <a:r>
-                        <a:rPr lang="ru-RU" dirty="0">
-                          <a:effectLst/>
-                        </a:rPr>
-                        <a:t>&amp;</a:t>
-                      </a:r>
-                    </a:p>
-                  </a:txBody>
-                  <a:tcPr marL="38100" marR="38100" marT="19050" marB="19050" anchor="ctr"/>
-                </a:tc>
-                <a:tc>
-                  <a:txBody>
-                    <a:bodyPr/>
-                    <a:lstStyle/>
-                    <a:p>
-                      <a:pPr algn="ctr" fontAlgn="ctr"/>
-                      <a:r>
-                        <a:rPr lang="ru-RU" dirty="0">
-                          <a:effectLst/>
-                        </a:rPr>
-                        <a:t>И</a:t>
-                      </a:r>
-                    </a:p>
-                  </a:txBody>
-                  <a:tcPr marL="38100" marR="38100" marT="19050" marB="19050" anchor="ctr"/>
-                </a:tc>
-                <a:extLst>
-                  <a:ext uri="{0D108BD9-81ED-4DB2-BD59-A6C34878D82A}">
-                    <a16:rowId xmlns:a16="http://schemas.microsoft.com/office/drawing/2014/main" val="1832102046"/>
-                  </a:ext>
-                </a:extLst>
-              </a:tr>
-              <a:tr h="286331">
-                <a:tc>
-                  <a:txBody>
-                    <a:bodyPr/>
-                    <a:lstStyle/>
-                    <a:p>
-                      <a:pPr algn="ctr" fontAlgn="ctr"/>
-                      <a:r>
-                        <a:rPr lang="ru-RU">
-                          <a:effectLst/>
-                        </a:rPr>
-                        <a:t>|</a:t>
-                      </a:r>
-                    </a:p>
-                  </a:txBody>
-                  <a:tcPr marL="38100" marR="38100" marT="19050" marB="19050" anchor="ctr"/>
-                </a:tc>
-                <a:tc>
-                  <a:txBody>
-                    <a:bodyPr/>
-                    <a:lstStyle/>
-                    <a:p>
-                      <a:pPr algn="ctr" fontAlgn="ctr"/>
-                      <a:r>
-                        <a:rPr lang="ru-RU" dirty="0">
-                          <a:effectLst/>
-                        </a:rPr>
-                        <a:t>ИЛИ</a:t>
-                      </a:r>
-                    </a:p>
-                  </a:txBody>
-                  <a:tcPr marL="38100" marR="38100" marT="19050" marB="19050" anchor="ctr"/>
-                </a:tc>
-                <a:extLst>
-                  <a:ext uri="{0D108BD9-81ED-4DB2-BD59-A6C34878D82A}">
-                    <a16:rowId xmlns:a16="http://schemas.microsoft.com/office/drawing/2014/main" val="26255554"/>
-                  </a:ext>
-                </a:extLst>
-              </a:tr>
-              <a:tr h="286331">
-                <a:tc>
-                  <a:txBody>
-                    <a:bodyPr/>
-                    <a:lstStyle/>
-                    <a:p>
-                      <a:pPr algn="ctr" fontAlgn="ctr"/>
-                      <a:r>
-                        <a:rPr lang="ru-RU" dirty="0">
-                          <a:effectLst/>
-                        </a:rPr>
-                        <a:t>^</a:t>
-                      </a:r>
-                    </a:p>
-                  </a:txBody>
-                  <a:tcPr marL="38100" marR="38100" marT="19050" marB="19050" anchor="ctr"/>
-                </a:tc>
-                <a:tc>
-                  <a:txBody>
-                    <a:bodyPr/>
-                    <a:lstStyle/>
-                    <a:p>
-                      <a:pPr algn="ctr" fontAlgn="ctr"/>
-                      <a:r>
-                        <a:rPr lang="ru-RU" dirty="0">
-                          <a:effectLst/>
-                        </a:rPr>
-                        <a:t>Исключающее ИЛИ</a:t>
-                      </a:r>
-                    </a:p>
-                  </a:txBody>
-                  <a:tcPr marL="38100" marR="38100" marT="19050" marB="19050" anchor="ctr"/>
-                </a:tc>
-                <a:extLst>
-                  <a:ext uri="{0D108BD9-81ED-4DB2-BD59-A6C34878D82A}">
-                    <a16:rowId xmlns:a16="http://schemas.microsoft.com/office/drawing/2014/main" val="2035723796"/>
-                  </a:ext>
-                </a:extLst>
-              </a:tr>
-              <a:tr h="286331">
-                <a:tc>
-                  <a:txBody>
-                    <a:bodyPr/>
-                    <a:lstStyle/>
-                    <a:p>
-                      <a:pPr algn="ctr" fontAlgn="ctr"/>
-                      <a:r>
-                        <a:rPr lang="ru-RU">
-                          <a:effectLst/>
-                        </a:rPr>
-                        <a:t>~</a:t>
-                      </a:r>
-                    </a:p>
-                  </a:txBody>
-                  <a:tcPr marL="38100" marR="38100" marT="19050" marB="19050" anchor="ctr"/>
-                </a:tc>
-                <a:tc>
-                  <a:txBody>
-                    <a:bodyPr/>
-                    <a:lstStyle/>
-                    <a:p>
-                      <a:pPr algn="ctr" fontAlgn="ctr"/>
-                      <a:r>
-                        <a:rPr lang="ru-RU" dirty="0">
-                          <a:effectLst/>
-                        </a:rPr>
-                        <a:t>Дополнение</a:t>
-                      </a:r>
-                    </a:p>
-                  </a:txBody>
-                  <a:tcPr marL="38100" marR="38100" marT="19050" marB="19050" anchor="ctr"/>
-                </a:tc>
-                <a:extLst>
-                  <a:ext uri="{0D108BD9-81ED-4DB2-BD59-A6C34878D82A}">
-                    <a16:rowId xmlns:a16="http://schemas.microsoft.com/office/drawing/2014/main" val="3361563000"/>
-                  </a:ext>
-                </a:extLst>
-              </a:tr>
-              <a:tr h="286331">
-                <a:tc>
-                  <a:txBody>
-                    <a:bodyPr/>
-                    <a:lstStyle/>
-                    <a:p>
-                      <a:pPr algn="ctr" fontAlgn="ctr"/>
-                      <a:r>
-                        <a:rPr lang="ru-RU">
-                          <a:effectLst/>
-                        </a:rPr>
-                        <a:t>&gt;&gt;</a:t>
-                      </a:r>
-                    </a:p>
-                  </a:txBody>
-                  <a:tcPr marL="38100" marR="38100" marT="19050" marB="19050" anchor="ctr"/>
-                </a:tc>
-                <a:tc>
-                  <a:txBody>
-                    <a:bodyPr/>
-                    <a:lstStyle/>
-                    <a:p>
-                      <a:pPr algn="ctr" fontAlgn="ctr"/>
-                      <a:r>
-                        <a:rPr lang="ru-RU" dirty="0">
-                          <a:effectLst/>
-                        </a:rPr>
-                        <a:t>Сдвиг вправо</a:t>
-                      </a:r>
-                    </a:p>
-                  </a:txBody>
-                  <a:tcPr marL="38100" marR="38100" marT="19050" marB="19050" anchor="ctr"/>
-                </a:tc>
-                <a:extLst>
-                  <a:ext uri="{0D108BD9-81ED-4DB2-BD59-A6C34878D82A}">
-                    <a16:rowId xmlns:a16="http://schemas.microsoft.com/office/drawing/2014/main" val="2132533412"/>
-                  </a:ext>
-                </a:extLst>
-              </a:tr>
-              <a:tr h="286331">
-                <a:tc>
-                  <a:txBody>
-                    <a:bodyPr/>
-                    <a:lstStyle/>
-                    <a:p>
-                      <a:pPr algn="ctr" fontAlgn="ctr"/>
-                      <a:r>
-                        <a:rPr lang="ru-RU">
-                          <a:effectLst/>
-                        </a:rPr>
-                        <a:t>&lt;&lt;</a:t>
-                      </a:r>
-                    </a:p>
-                  </a:txBody>
-                  <a:tcPr marL="38100" marR="38100" marT="19050" marB="19050" anchor="ctr"/>
-                </a:tc>
-                <a:tc>
-                  <a:txBody>
-                    <a:bodyPr/>
-                    <a:lstStyle/>
-                    <a:p>
-                      <a:pPr algn="ctr" fontAlgn="ctr"/>
-                      <a:r>
-                        <a:rPr lang="ru-RU" dirty="0">
-                          <a:effectLst/>
-                        </a:rPr>
-                        <a:t>Сдвиг влево</a:t>
-                      </a:r>
-                    </a:p>
-                  </a:txBody>
-                  <a:tcPr marL="38100" marR="38100" marT="19050" marB="19050" anchor="ctr"/>
-                </a:tc>
-                <a:extLst>
-                  <a:ext uri="{0D108BD9-81ED-4DB2-BD59-A6C34878D82A}">
-                    <a16:rowId xmlns:a16="http://schemas.microsoft.com/office/drawing/2014/main" val="1689961258"/>
-                  </a:ext>
-                </a:extLst>
-              </a:tr>
-            </a:tbl>
-          </a:graphicData>
-        </a:graphic>
-      </p:graphicFrame>
-      <p:sp>
-        <p:nvSpPr>
-          <p:cNvPr id="13" name="Заголовок 1"/>
-          <p:cNvSpPr>
-            <a:spLocks noGrp="1"/>
-          </p:cNvSpPr>
-          <p:nvPr>
-            <p:ph type="title"/>
-          </p:nvPr>
-        </p:nvSpPr>
-        <p:spPr>
-          <a:xfrm>
-            <a:off x="609600" y="274638"/>
-            <a:ext cx="10972800" cy="1143000"/>
-          </a:xfrm>
-        </p:spPr>
-        <p:txBody>
-          <a:bodyPr/>
-          <a:lstStyle/>
-          <a:p>
-            <a:r>
-              <a:rPr lang="ru-RU" dirty="0" smtClean="0"/>
-              <a:t>Битовые операции</a:t>
-            </a:r>
-            <a:endParaRPr lang="ru-RU" dirty="0"/>
-          </a:p>
-        </p:txBody>
-      </p:sp>
-    </p:spTree>
-    <p:extLst>
-      <p:ext uri="{BB962C8B-B14F-4D97-AF65-F5344CB8AC3E}">
-        <p14:creationId xmlns:p14="http://schemas.microsoft.com/office/powerpoint/2010/main" val="155926895"/>
-      </p:ext>
-    </p:extLst>
-  </p:cSld>
-  <p:clrMapOvr>
-    <a:masterClrMapping/>
-  </p:clrMapOvr>
-  <p:timing>
-    <p:tnLst>
-      <p:par>
-        <p:cTn id="1" dur="indefinite" restart="never" nodeType="tmRoot"/>
-      </p:par>
-    </p:tnLst>
-  </p:timing>
-</p:sld>
-</file>
-
-<file path=ppt/slides/slide30.xml><?xml version="1.0" encoding="utf-8"?>
-<p:sld xmlns:a="http://schemas.openxmlformats.org/drawingml/2006/main" xmlns:r="http://schemas.openxmlformats.org/officeDocument/2006/relationships" xmlns:p="http://schemas.openxmlformats.org/presentationml/2006/main">
-  <p:cSld>
-    <p:spTree>
-      <p:nvGrpSpPr>
-        <p:cNvPr id="1" name=""/>
-        <p:cNvGrpSpPr/>
-        <p:nvPr/>
-      </p:nvGrpSpPr>
-      <p:grpSpPr>
-        <a:xfrm>
-          <a:off x="0" y="0"/>
-          <a:ext cx="0" cy="0"/>
-          <a:chOff x="0" y="0"/>
-          <a:chExt cx="0" cy="0"/>
-        </a:xfrm>
-      </p:grpSpPr>
-      <p:sp>
-        <p:nvSpPr>
-          <p:cNvPr id="2" name="Заголовок 1"/>
-          <p:cNvSpPr>
-            <a:spLocks noGrp="1"/>
-          </p:cNvSpPr>
-          <p:nvPr>
-            <p:ph type="title"/>
-          </p:nvPr>
-        </p:nvSpPr>
-        <p:spPr>
-          <a:xfrm>
-            <a:off x="957639" y="-150828"/>
-            <a:ext cx="10972800" cy="1143000"/>
-          </a:xfrm>
-        </p:spPr>
-        <p:txBody>
-          <a:bodyPr>
-            <a:normAutofit/>
-          </a:bodyPr>
-          <a:lstStyle/>
-          <a:p>
-            <a:r>
-              <a:rPr lang="en-US" sz="3600" dirty="0" smtClean="0"/>
-              <a:t>Pinout LCD p1602</a:t>
-            </a:r>
-            <a:endParaRPr lang="ru-RU" sz="4000" dirty="0"/>
-          </a:p>
-        </p:txBody>
-      </p:sp>
-      <p:sp>
-        <p:nvSpPr>
-          <p:cNvPr id="4" name="Номер слайда 3"/>
-          <p:cNvSpPr>
-            <a:spLocks noGrp="1"/>
-          </p:cNvSpPr>
-          <p:nvPr>
-            <p:ph type="sldNum" sz="quarter" idx="12"/>
-          </p:nvPr>
-        </p:nvSpPr>
-        <p:spPr>
-          <a:xfrm>
-            <a:off x="8976782" y="6356351"/>
-            <a:ext cx="2844800" cy="365125"/>
-          </a:xfrm>
-        </p:spPr>
-        <p:txBody>
-          <a:bodyPr/>
-          <a:lstStyle/>
-          <a:p>
-            <a:fld id="{B18FE503-A4D1-4EBB-BF0E-71566B133E7C}" type="slidenum">
-              <a:rPr lang="ru-RU" smtClean="0"/>
-              <a:pPr/>
-              <a:t>30</a:t>
             </a:fld>
             <a:endParaRPr lang="ru-RU"/>
           </a:p>
@@ -12566,7 +11817,7 @@
 </p:sld>
 </file>
 
-<file path=ppt/slides/slide31.xml><?xml version="1.0" encoding="utf-8"?>
+<file path=ppt/slides/slide3.xml><?xml version="1.0" encoding="utf-8"?>
 <p:sld xmlns:a="http://schemas.openxmlformats.org/drawingml/2006/main" xmlns:r="http://schemas.openxmlformats.org/officeDocument/2006/relationships" xmlns:p="http://schemas.openxmlformats.org/presentationml/2006/main">
   <p:cSld>
     <p:spTree>
@@ -12585,37 +11836,7 @@
       </p:grpSpPr>
       <p:sp>
         <p:nvSpPr>
-          <p:cNvPr id="2" name="Заголовок 1"/>
-          <p:cNvSpPr>
-            <a:spLocks noGrp="1"/>
-          </p:cNvSpPr>
-          <p:nvPr>
-            <p:ph type="title"/>
-          </p:nvPr>
-        </p:nvSpPr>
-        <p:spPr>
-          <a:xfrm>
-            <a:off x="715962" y="649879"/>
-            <a:ext cx="10972800" cy="1143000"/>
-          </a:xfrm>
-        </p:spPr>
-        <p:txBody>
-          <a:bodyPr>
-            <a:normAutofit/>
-          </a:bodyPr>
-          <a:lstStyle/>
-          <a:p>
-            <a:r>
-              <a:rPr lang="en-US" sz="4000" dirty="0" smtClean="0"/>
-              <a:t>LCD</a:t>
-            </a:r>
-            <a:endParaRPr lang="ru-RU" sz="4000" dirty="0"/>
-          </a:p>
-        </p:txBody>
-      </p:sp>
-      <p:sp>
-        <p:nvSpPr>
-          <p:cNvPr id="4" name="Номер слайда 3"/>
+          <p:cNvPr id="2" name="Номер слайда 1"/>
           <p:cNvSpPr>
             <a:spLocks noGrp="1"/>
           </p:cNvSpPr>
@@ -12631,7 +11852,7 @@
             <a:fld id="{B18FE503-A4D1-4EBB-BF0E-71566B133E7C}" type="slidenum">
               <a:rPr lang="ru-RU" smtClean="0"/>
               <a:pPr/>
-              <a:t>31</a:t>
+              <a:t>3</a:t>
             </a:fld>
             <a:endParaRPr lang="ru-RU"/>
           </a:p>
@@ -12639,7 +11860,7 @@
       </p:sp>
       <p:pic>
         <p:nvPicPr>
-          <p:cNvPr id="11" name="Obraz 6" descr="pie_logo"/>
+          <p:cNvPr id="7" name="Obraz 6" descr="pie_logo"/>
           <p:cNvPicPr>
             <a:picLocks noChangeAspect="1" noChangeArrowheads="1"/>
           </p:cNvPicPr>
@@ -12673,7 +11894,7 @@
       </p:pic>
       <p:pic>
         <p:nvPicPr>
-          <p:cNvPr id="12" name="Picture 2" descr="C:\Users\alexi_000\Desktop\ECM\DESIGNS\APPLE\LOGO\apple_logo_empty1_png.png"/>
+          <p:cNvPr id="9" name="Picture 2" descr="C:\Users\alexi_000\Desktop\ECM\DESIGNS\APPLE\LOGO\apple_logo_empty1_png.png"/>
           <p:cNvPicPr>
             <a:picLocks noChangeAspect="1" noChangeArrowheads="1"/>
           </p:cNvPicPr>
@@ -12699,7 +11920,7 @@
       </p:pic>
       <p:pic>
         <p:nvPicPr>
-          <p:cNvPr id="13" name="Picture 2" descr="C:\AASir\Mamba-new\Apple\Application\SibFU_logo_horizontal.png"/>
+          <p:cNvPr id="10" name="Picture 2" descr="C:\AASir\Mamba-new\Apple\Application\SibFU_logo_horizontal.png"/>
           <p:cNvPicPr>
             <a:picLocks noChangeAspect="1" noChangeArrowheads="1"/>
           </p:cNvPicPr>
@@ -12725,38 +11946,401 @@
       </p:pic>
       <p:sp>
         <p:nvSpPr>
-          <p:cNvPr id="7" name="TextBox 6"/>
-          <p:cNvSpPr txBox="1"/>
-          <p:nvPr/>
+          <p:cNvPr id="3" name="Объект 2"/>
+          <p:cNvSpPr>
+            <a:spLocks noGrp="1"/>
+          </p:cNvSpPr>
+          <p:nvPr>
+            <p:ph idx="1"/>
+          </p:nvPr>
         </p:nvSpPr>
         <p:spPr>
           <a:xfrm>
-            <a:off x="4134077" y="2689522"/>
-            <a:ext cx="3314700" cy="369332"/>
-          </a:xfrm>
-          <a:prstGeom prst="rect">
-            <a:avLst/>
-          </a:prstGeom>
-          <a:noFill/>
-        </p:spPr>
-        <p:txBody>
-          <a:bodyPr wrap="square" rtlCol="0">
-            <a:spAutoFit/>
-          </a:bodyPr>
+            <a:off x="532702" y="1599184"/>
+            <a:ext cx="11049698" cy="4526980"/>
+          </a:xfrm>
+        </p:spPr>
+        <p:txBody>
+          <a:bodyPr/>
           <a:lstStyle/>
           <a:p>
-            <a:r>
-              <a:rPr lang="ru-RU" b="1" dirty="0" smtClean="0"/>
-              <a:t>ОПИСАНИЕ ЛИБ + ПРИМЕРЫ</a:t>
-            </a:r>
-            <a:endParaRPr lang="ru-RU" b="1" dirty="0"/>
+            <a:pPr marL="0" indent="0">
+              <a:buNone/>
+            </a:pPr>
+            <a:r>
+              <a:rPr lang="ru-RU" b="1" dirty="0"/>
+              <a:t>Битовые операции </a:t>
+            </a:r>
+            <a:r>
+              <a:rPr lang="ru-RU" dirty="0"/>
+              <a:t>(англ. </a:t>
+            </a:r>
+            <a:r>
+              <a:rPr lang="ru-RU" i="1" dirty="0" err="1"/>
+              <a:t>bitwise</a:t>
+            </a:r>
+            <a:r>
+              <a:rPr lang="ru-RU" i="1" dirty="0"/>
+              <a:t> </a:t>
+            </a:r>
+            <a:r>
+              <a:rPr lang="ru-RU" i="1" dirty="0" err="1"/>
+              <a:t>operations</a:t>
+            </a:r>
+            <a:r>
+              <a:rPr lang="ru-RU" dirty="0"/>
+              <a:t>) — операции, производимые над цепочками битов. Выделяют два типа побитовых операций: логические операции и побитовые сдвиги.</a:t>
+            </a:r>
+          </a:p>
+        </p:txBody>
+      </p:sp>
+      <p:graphicFrame>
+        <p:nvGraphicFramePr>
+          <p:cNvPr id="11" name="Объект 4"/>
+          <p:cNvGraphicFramePr>
+            <a:graphicFrameLocks/>
+          </p:cNvGraphicFramePr>
+          <p:nvPr>
+            <p:extLst>
+              <p:ext uri="{D42A27DB-BD31-4B8C-83A1-F6EECF244321}">
+                <p14:modId xmlns:p14="http://schemas.microsoft.com/office/powerpoint/2010/main" val="1353683641"/>
+              </p:ext>
+            </p:extLst>
+          </p:nvPr>
+        </p:nvGraphicFramePr>
+        <p:xfrm>
+          <a:off x="3713526" y="3570140"/>
+          <a:ext cx="4386044" cy="2240280"/>
+        </p:xfrm>
+        <a:graphic>
+          <a:graphicData uri="http://schemas.openxmlformats.org/drawingml/2006/table">
+            <a:tbl>
+              <a:tblPr firstRow="1" bandRow="1">
+                <a:tableStyleId>{93296810-A885-4BE3-A3E7-6D5BEEA58F35}</a:tableStyleId>
+              </a:tblPr>
+              <a:tblGrid>
+                <a:gridCol w="1486388">
+                  <a:extLst>
+                    <a:ext uri="{9D8B030D-6E8A-4147-A177-3AD203B41FA5}">
+                      <a16:colId xmlns:a16="http://schemas.microsoft.com/office/drawing/2014/main" val="3630381652"/>
+                    </a:ext>
+                  </a:extLst>
+                </a:gridCol>
+                <a:gridCol w="2899656">
+                  <a:extLst>
+                    <a:ext uri="{9D8B030D-6E8A-4147-A177-3AD203B41FA5}">
+                      <a16:colId xmlns:a16="http://schemas.microsoft.com/office/drawing/2014/main" val="1971631268"/>
+                    </a:ext>
+                  </a:extLst>
+                </a:gridCol>
+              </a:tblGrid>
+              <a:tr h="335217">
+                <a:tc>
+                  <a:txBody>
+                    <a:bodyPr/>
+                    <a:lstStyle/>
+                    <a:p>
+                      <a:pPr algn="ctr"/>
+                      <a:r>
+                        <a:rPr lang="ru-RU" dirty="0" smtClean="0"/>
+                        <a:t>Оператор</a:t>
+                      </a:r>
+                      <a:endParaRPr lang="ru-RU" dirty="0"/>
+                    </a:p>
+                  </a:txBody>
+                  <a:tcPr/>
+                </a:tc>
+                <a:tc>
+                  <a:txBody>
+                    <a:bodyPr/>
+                    <a:lstStyle/>
+                    <a:p>
+                      <a:pPr algn="ctr"/>
+                      <a:r>
+                        <a:rPr lang="ru-RU" dirty="0" smtClean="0"/>
+                        <a:t>Действие</a:t>
+                      </a:r>
+                      <a:endParaRPr lang="ru-RU" dirty="0"/>
+                    </a:p>
+                  </a:txBody>
+                  <a:tcPr/>
+                </a:tc>
+                <a:extLst>
+                  <a:ext uri="{0D108BD9-81ED-4DB2-BD59-A6C34878D82A}">
+                    <a16:rowId xmlns:a16="http://schemas.microsoft.com/office/drawing/2014/main" val="2872647143"/>
+                  </a:ext>
+                </a:extLst>
+              </a:tr>
+              <a:tr h="286331">
+                <a:tc>
+                  <a:txBody>
+                    <a:bodyPr/>
+                    <a:lstStyle/>
+                    <a:p>
+                      <a:pPr algn="ctr" fontAlgn="ctr"/>
+                      <a:r>
+                        <a:rPr lang="ru-RU" dirty="0">
+                          <a:effectLst/>
+                        </a:rPr>
+                        <a:t>&amp;</a:t>
+                      </a:r>
+                    </a:p>
+                  </a:txBody>
+                  <a:tcPr marL="38100" marR="38100" marT="19050" marB="19050" anchor="ctr"/>
+                </a:tc>
+                <a:tc>
+                  <a:txBody>
+                    <a:bodyPr/>
+                    <a:lstStyle/>
+                    <a:p>
+                      <a:pPr algn="ctr" fontAlgn="ctr"/>
+                      <a:r>
+                        <a:rPr lang="ru-RU" dirty="0">
+                          <a:effectLst/>
+                        </a:rPr>
+                        <a:t>И</a:t>
+                      </a:r>
+                    </a:p>
+                  </a:txBody>
+                  <a:tcPr marL="38100" marR="38100" marT="19050" marB="19050" anchor="ctr"/>
+                </a:tc>
+                <a:extLst>
+                  <a:ext uri="{0D108BD9-81ED-4DB2-BD59-A6C34878D82A}">
+                    <a16:rowId xmlns:a16="http://schemas.microsoft.com/office/drawing/2014/main" val="1832102046"/>
+                  </a:ext>
+                </a:extLst>
+              </a:tr>
+              <a:tr h="286331">
+                <a:tc>
+                  <a:txBody>
+                    <a:bodyPr/>
+                    <a:lstStyle/>
+                    <a:p>
+                      <a:pPr algn="ctr" fontAlgn="ctr"/>
+                      <a:r>
+                        <a:rPr lang="ru-RU">
+                          <a:effectLst/>
+                        </a:rPr>
+                        <a:t>|</a:t>
+                      </a:r>
+                    </a:p>
+                  </a:txBody>
+                  <a:tcPr marL="38100" marR="38100" marT="19050" marB="19050" anchor="ctr"/>
+                </a:tc>
+                <a:tc>
+                  <a:txBody>
+                    <a:bodyPr/>
+                    <a:lstStyle/>
+                    <a:p>
+                      <a:pPr algn="ctr" fontAlgn="ctr"/>
+                      <a:r>
+                        <a:rPr lang="ru-RU" dirty="0">
+                          <a:effectLst/>
+                        </a:rPr>
+                        <a:t>ИЛИ</a:t>
+                      </a:r>
+                    </a:p>
+                  </a:txBody>
+                  <a:tcPr marL="38100" marR="38100" marT="19050" marB="19050" anchor="ctr"/>
+                </a:tc>
+                <a:extLst>
+                  <a:ext uri="{0D108BD9-81ED-4DB2-BD59-A6C34878D82A}">
+                    <a16:rowId xmlns:a16="http://schemas.microsoft.com/office/drawing/2014/main" val="26255554"/>
+                  </a:ext>
+                </a:extLst>
+              </a:tr>
+              <a:tr h="286331">
+                <a:tc>
+                  <a:txBody>
+                    <a:bodyPr/>
+                    <a:lstStyle/>
+                    <a:p>
+                      <a:pPr algn="ctr" fontAlgn="ctr"/>
+                      <a:r>
+                        <a:rPr lang="ru-RU" dirty="0">
+                          <a:effectLst/>
+                        </a:rPr>
+                        <a:t>^</a:t>
+                      </a:r>
+                    </a:p>
+                  </a:txBody>
+                  <a:tcPr marL="38100" marR="38100" marT="19050" marB="19050" anchor="ctr"/>
+                </a:tc>
+                <a:tc>
+                  <a:txBody>
+                    <a:bodyPr/>
+                    <a:lstStyle/>
+                    <a:p>
+                      <a:pPr algn="ctr" fontAlgn="ctr"/>
+                      <a:r>
+                        <a:rPr lang="ru-RU" dirty="0">
+                          <a:effectLst/>
+                        </a:rPr>
+                        <a:t>Исключающее ИЛИ</a:t>
+                      </a:r>
+                    </a:p>
+                  </a:txBody>
+                  <a:tcPr marL="38100" marR="38100" marT="19050" marB="19050" anchor="ctr"/>
+                </a:tc>
+                <a:extLst>
+                  <a:ext uri="{0D108BD9-81ED-4DB2-BD59-A6C34878D82A}">
+                    <a16:rowId xmlns:a16="http://schemas.microsoft.com/office/drawing/2014/main" val="2035723796"/>
+                  </a:ext>
+                </a:extLst>
+              </a:tr>
+              <a:tr h="286331">
+                <a:tc>
+                  <a:txBody>
+                    <a:bodyPr/>
+                    <a:lstStyle/>
+                    <a:p>
+                      <a:pPr algn="ctr" fontAlgn="ctr"/>
+                      <a:r>
+                        <a:rPr lang="ru-RU">
+                          <a:effectLst/>
+                        </a:rPr>
+                        <a:t>~</a:t>
+                      </a:r>
+                    </a:p>
+                  </a:txBody>
+                  <a:tcPr marL="38100" marR="38100" marT="19050" marB="19050" anchor="ctr"/>
+                </a:tc>
+                <a:tc>
+                  <a:txBody>
+                    <a:bodyPr/>
+                    <a:lstStyle/>
+                    <a:p>
+                      <a:pPr algn="ctr" fontAlgn="ctr"/>
+                      <a:r>
+                        <a:rPr lang="ru-RU" dirty="0">
+                          <a:effectLst/>
+                        </a:rPr>
+                        <a:t>Дополнение</a:t>
+                      </a:r>
+                    </a:p>
+                  </a:txBody>
+                  <a:tcPr marL="38100" marR="38100" marT="19050" marB="19050" anchor="ctr"/>
+                </a:tc>
+                <a:extLst>
+                  <a:ext uri="{0D108BD9-81ED-4DB2-BD59-A6C34878D82A}">
+                    <a16:rowId xmlns:a16="http://schemas.microsoft.com/office/drawing/2014/main" val="3361563000"/>
+                  </a:ext>
+                </a:extLst>
+              </a:tr>
+              <a:tr h="286331">
+                <a:tc>
+                  <a:txBody>
+                    <a:bodyPr/>
+                    <a:lstStyle/>
+                    <a:p>
+                      <a:pPr algn="ctr" fontAlgn="ctr"/>
+                      <a:r>
+                        <a:rPr lang="ru-RU">
+                          <a:effectLst/>
+                        </a:rPr>
+                        <a:t>&gt;&gt;</a:t>
+                      </a:r>
+                    </a:p>
+                  </a:txBody>
+                  <a:tcPr marL="38100" marR="38100" marT="19050" marB="19050" anchor="ctr"/>
+                </a:tc>
+                <a:tc>
+                  <a:txBody>
+                    <a:bodyPr/>
+                    <a:lstStyle/>
+                    <a:p>
+                      <a:pPr algn="ctr" fontAlgn="ctr"/>
+                      <a:r>
+                        <a:rPr lang="ru-RU" dirty="0">
+                          <a:effectLst/>
+                        </a:rPr>
+                        <a:t>Сдвиг вправо</a:t>
+                      </a:r>
+                    </a:p>
+                  </a:txBody>
+                  <a:tcPr marL="38100" marR="38100" marT="19050" marB="19050" anchor="ctr"/>
+                </a:tc>
+                <a:extLst>
+                  <a:ext uri="{0D108BD9-81ED-4DB2-BD59-A6C34878D82A}">
+                    <a16:rowId xmlns:a16="http://schemas.microsoft.com/office/drawing/2014/main" val="2132533412"/>
+                  </a:ext>
+                </a:extLst>
+              </a:tr>
+              <a:tr h="286331">
+                <a:tc>
+                  <a:txBody>
+                    <a:bodyPr/>
+                    <a:lstStyle/>
+                    <a:p>
+                      <a:pPr algn="ctr" fontAlgn="ctr"/>
+                      <a:r>
+                        <a:rPr lang="ru-RU">
+                          <a:effectLst/>
+                        </a:rPr>
+                        <a:t>&lt;&lt;</a:t>
+                      </a:r>
+                    </a:p>
+                  </a:txBody>
+                  <a:tcPr marL="38100" marR="38100" marT="19050" marB="19050" anchor="ctr"/>
+                </a:tc>
+                <a:tc>
+                  <a:txBody>
+                    <a:bodyPr/>
+                    <a:lstStyle/>
+                    <a:p>
+                      <a:pPr algn="ctr" fontAlgn="ctr"/>
+                      <a:r>
+                        <a:rPr lang="ru-RU" dirty="0">
+                          <a:effectLst/>
+                        </a:rPr>
+                        <a:t>Сдвиг влево</a:t>
+                      </a:r>
+                    </a:p>
+                  </a:txBody>
+                  <a:tcPr marL="38100" marR="38100" marT="19050" marB="19050" anchor="ctr"/>
+                </a:tc>
+                <a:extLst>
+                  <a:ext uri="{0D108BD9-81ED-4DB2-BD59-A6C34878D82A}">
+                    <a16:rowId xmlns:a16="http://schemas.microsoft.com/office/drawing/2014/main" val="1689961258"/>
+                  </a:ext>
+                </a:extLst>
+              </a:tr>
+            </a:tbl>
+          </a:graphicData>
+        </a:graphic>
+      </p:graphicFrame>
+      <p:sp>
+        <p:nvSpPr>
+          <p:cNvPr id="13" name="Заголовок 1"/>
+          <p:cNvSpPr>
+            <a:spLocks noGrp="1"/>
+          </p:cNvSpPr>
+          <p:nvPr>
+            <p:ph type="title"/>
+          </p:nvPr>
+        </p:nvSpPr>
+        <p:spPr>
+          <a:xfrm>
+            <a:off x="609600" y="274638"/>
+            <a:ext cx="10972800" cy="1143000"/>
+          </a:xfrm>
+        </p:spPr>
+        <p:txBody>
+          <a:bodyPr/>
+          <a:lstStyle/>
+          <a:p>
+            <a:r>
+              <a:rPr lang="ru-RU" dirty="0" smtClean="0"/>
+              <a:t>Битовые операции</a:t>
+            </a:r>
+            <a:endParaRPr lang="ru-RU" dirty="0"/>
           </a:p>
         </p:txBody>
       </p:sp>
     </p:spTree>
     <p:extLst>
       <p:ext uri="{BB962C8B-B14F-4D97-AF65-F5344CB8AC3E}">
-        <p14:creationId xmlns:p14="http://schemas.microsoft.com/office/powerpoint/2010/main" val="2577726222"/>
+        <p14:creationId xmlns:p14="http://schemas.microsoft.com/office/powerpoint/2010/main" val="155926895"/>
       </p:ext>
     </p:extLst>
   </p:cSld>

--- a/Презентация.pptx
+++ b/Презентация.pptx
@@ -5,10 +5,10 @@
     <p:sldMasterId id="2147483815" r:id="rId1"/>
   </p:sldMasterIdLst>
   <p:notesMasterIdLst>
-    <p:notesMasterId r:id="rId31"/>
+    <p:notesMasterId r:id="rId30"/>
   </p:notesMasterIdLst>
   <p:handoutMasterIdLst>
-    <p:handoutMasterId r:id="rId32"/>
+    <p:handoutMasterId r:id="rId31"/>
   </p:handoutMasterIdLst>
   <p:sldIdLst>
     <p:sldId id="256" r:id="rId2"/>
@@ -35,11 +35,10 @@
     <p:sldId id="290" r:id="rId23"/>
     <p:sldId id="291" r:id="rId24"/>
     <p:sldId id="292" r:id="rId25"/>
-    <p:sldId id="293" r:id="rId26"/>
-    <p:sldId id="284" r:id="rId27"/>
-    <p:sldId id="285" r:id="rId28"/>
-    <p:sldId id="287" r:id="rId29"/>
-    <p:sldId id="289" r:id="rId30"/>
+    <p:sldId id="284" r:id="rId26"/>
+    <p:sldId id="285" r:id="rId27"/>
+    <p:sldId id="287" r:id="rId28"/>
+    <p:sldId id="289" r:id="rId29"/>
   </p:sldIdLst>
   <p:sldSz cx="12192000" cy="6858000"/>
   <p:notesSz cx="6858000" cy="9144000"/>
@@ -8876,7 +8875,7 @@
         </p:nvSpPr>
         <p:spPr>
           <a:xfrm>
-            <a:off x="715962" y="649879"/>
+            <a:off x="505737" y="115803"/>
             <a:ext cx="10972800" cy="1143000"/>
           </a:xfrm>
         </p:spPr>
@@ -8887,18 +8886,145 @@
           <a:lstStyle/>
           <a:p>
             <a:r>
-              <a:rPr lang="ru-RU" sz="3600" dirty="0" smtClean="0"/>
-              <a:t>Таймеры</a:t>
-            </a:r>
-            <a:r>
               <a:rPr lang="en-US" sz="4000" dirty="0" smtClean="0"/>
-              <a:t>/</a:t>
-            </a:r>
-            <a:r>
-              <a:rPr lang="ru-RU" sz="4000" dirty="0" smtClean="0"/>
-              <a:t>счетчики</a:t>
+              <a:t>ADC</a:t>
             </a:r>
             <a:endParaRPr lang="ru-RU" sz="4000" dirty="0"/>
+          </a:p>
+        </p:txBody>
+      </p:sp>
+      <p:sp>
+        <p:nvSpPr>
+          <p:cNvPr id="3" name="Объект 2"/>
+          <p:cNvSpPr>
+            <a:spLocks noGrp="1"/>
+          </p:cNvSpPr>
+          <p:nvPr>
+            <p:ph idx="1"/>
+          </p:nvPr>
+        </p:nvSpPr>
+        <p:spPr>
+          <a:xfrm>
+            <a:off x="482600" y="1142030"/>
+            <a:ext cx="11099800" cy="5579446"/>
+          </a:xfrm>
+        </p:spPr>
+        <p:txBody>
+          <a:bodyPr>
+            <a:noAutofit/>
+          </a:bodyPr>
+          <a:lstStyle/>
+          <a:p>
+            <a:pPr marL="0" indent="625475" algn="just">
+              <a:buNone/>
+            </a:pPr>
+            <a:r>
+              <a:rPr lang="ru-RU" dirty="0" err="1" smtClean="0"/>
+              <a:t>ATmega</a:t>
+            </a:r>
+            <a:r>
+              <a:rPr lang="en-US" dirty="0" smtClean="0"/>
+              <a:t>32f</a:t>
+            </a:r>
+            <a:r>
+              <a:rPr lang="ru-RU" dirty="0" smtClean="0"/>
+              <a:t> </a:t>
+            </a:r>
+            <a:r>
+              <a:rPr lang="ru-RU" dirty="0"/>
+              <a:t>содержит 10-разр. ADC последовательного приближения. ADC связан с 8-канальным аналоговым мультиплексором, 8 однополярных (недифференциальных) входов которого </a:t>
+            </a:r>
+            <a:r>
+              <a:rPr lang="ru-RU" dirty="0" smtClean="0"/>
+              <a:t>связаны </a:t>
+            </a:r>
+            <a:r>
+              <a:rPr lang="ru-RU" dirty="0"/>
+              <a:t>с ножками порта A. </a:t>
+            </a:r>
+            <a:endParaRPr lang="en-US" dirty="0" smtClean="0"/>
+          </a:p>
+          <a:p>
+            <a:pPr marL="0" indent="625475" algn="just">
+              <a:buNone/>
+            </a:pPr>
+            <a:r>
+              <a:rPr lang="ru-RU" dirty="0"/>
+              <a:t>Время преобразования 13 - 260 </a:t>
+            </a:r>
+            <a:r>
+              <a:rPr lang="ru-RU" dirty="0" err="1" smtClean="0"/>
+              <a:t>мкс</a:t>
+            </a:r>
+            <a:endParaRPr lang="en-US" dirty="0" smtClean="0"/>
+          </a:p>
+          <a:p>
+            <a:pPr marL="0" indent="625475" algn="just">
+              <a:buNone/>
+            </a:pPr>
+            <a:r>
+              <a:rPr lang="ru-RU" dirty="0"/>
+              <a:t>Диапазон входного напряжения ADC </a:t>
+            </a:r>
+            <a:r>
+              <a:rPr lang="ru-RU" dirty="0" smtClean="0"/>
+              <a:t>0…VCC</a:t>
+            </a:r>
+            <a:endParaRPr lang="en-US" dirty="0" smtClean="0"/>
+          </a:p>
+          <a:p>
+            <a:pPr marL="0" indent="625475" algn="just">
+              <a:buNone/>
+            </a:pPr>
+            <a:r>
+              <a:rPr lang="ru-RU" dirty="0"/>
+              <a:t>Интегральная нелинейность 0.5 мл. </a:t>
+            </a:r>
+            <a:r>
+              <a:rPr lang="ru-RU" dirty="0" err="1"/>
+              <a:t>разр</a:t>
+            </a:r>
+            <a:r>
+              <a:rPr lang="ru-RU" dirty="0"/>
+              <a:t>.</a:t>
+            </a:r>
+            <a:endParaRPr lang="en-US" dirty="0" smtClean="0"/>
+          </a:p>
+          <a:p>
+            <a:pPr marL="0" indent="625475" algn="just">
+              <a:buNone/>
+            </a:pPr>
+            <a:r>
+              <a:rPr lang="ru-RU" dirty="0"/>
+              <a:t>Абсолютная погрешность ±2 мл. </a:t>
+            </a:r>
+            <a:r>
+              <a:rPr lang="ru-RU" dirty="0" err="1"/>
+              <a:t>разр</a:t>
+            </a:r>
+            <a:r>
+              <a:rPr lang="ru-RU" dirty="0" smtClean="0"/>
+              <a:t>.</a:t>
+            </a:r>
+            <a:endParaRPr lang="en-US" dirty="0"/>
+          </a:p>
+          <a:p>
+            <a:pPr marL="0" indent="625475" algn="just">
+              <a:buNone/>
+            </a:pPr>
+            <a:r>
+              <a:rPr lang="ru-RU" dirty="0"/>
+              <a:t>Частота преобразования до 15 тыс. </a:t>
+            </a:r>
+            <a:r>
+              <a:rPr lang="ru-RU" dirty="0" err="1"/>
+              <a:t>преобр</a:t>
+            </a:r>
+            <a:r>
+              <a:rPr lang="ru-RU" dirty="0"/>
+              <a:t>. в сек. при максимальном разрешении</a:t>
+            </a:r>
+            <a:endParaRPr lang="ru-RU" dirty="0" smtClean="0"/>
           </a:p>
         </p:txBody>
       </p:sp>
@@ -9012,40 +9138,10 @@
           <a:noFill/>
         </p:spPr>
       </p:pic>
-      <p:sp>
-        <p:nvSpPr>
-          <p:cNvPr id="7" name="TextBox 6"/>
-          <p:cNvSpPr txBox="1"/>
-          <p:nvPr/>
-        </p:nvSpPr>
-        <p:spPr>
-          <a:xfrm>
-            <a:off x="4134077" y="2689522"/>
-            <a:ext cx="3314700" cy="369332"/>
-          </a:xfrm>
-          <a:prstGeom prst="rect">
-            <a:avLst/>
-          </a:prstGeom>
-          <a:noFill/>
-        </p:spPr>
-        <p:txBody>
-          <a:bodyPr wrap="square" rtlCol="0">
-            <a:spAutoFit/>
-          </a:bodyPr>
-          <a:lstStyle/>
-          <a:p>
-            <a:r>
-              <a:rPr lang="ru-RU" b="1" dirty="0" smtClean="0"/>
-              <a:t>ОПИСАНИЕ ЛИБ + ПРИМЕРЫ</a:t>
-            </a:r>
-            <a:endParaRPr lang="ru-RU" b="1" dirty="0"/>
-          </a:p>
-        </p:txBody>
-      </p:sp>
     </p:spTree>
     <p:extLst>
       <p:ext uri="{BB962C8B-B14F-4D97-AF65-F5344CB8AC3E}">
-        <p14:creationId xmlns:p14="http://schemas.microsoft.com/office/powerpoint/2010/main" val="223980896"/>
+        <p14:creationId xmlns:p14="http://schemas.microsoft.com/office/powerpoint/2010/main" val="1704154220"/>
       </p:ext>
     </p:extLst>
   </p:cSld>
@@ -9079,6 +9175,30 @@
           <a:chExt cx="0" cy="0"/>
         </a:xfrm>
       </p:grpSpPr>
+      <p:pic>
+        <p:nvPicPr>
+          <p:cNvPr id="5" name="Рисунок 4"/>
+          <p:cNvPicPr>
+            <a:picLocks noChangeAspect="1"/>
+          </p:cNvPicPr>
+          <p:nvPr/>
+        </p:nvPicPr>
+        <p:blipFill>
+          <a:blip r:embed="rId2"/>
+          <a:stretch>
+            <a:fillRect/>
+          </a:stretch>
+        </p:blipFill>
+        <p:spPr>
+          <a:xfrm>
+            <a:off x="2115717" y="553702"/>
+            <a:ext cx="8576290" cy="6281054"/>
+          </a:xfrm>
+          <a:prstGeom prst="rect">
+            <a:avLst/>
+          </a:prstGeom>
+        </p:spPr>
+      </p:pic>
       <p:sp>
         <p:nvSpPr>
           <p:cNvPr id="2" name="Заголовок 1"/>
@@ -9091,7 +9211,7 @@
         </p:nvSpPr>
         <p:spPr>
           <a:xfrm>
-            <a:off x="505737" y="115803"/>
+            <a:off x="505737" y="-249584"/>
             <a:ext cx="10972800" cy="1143000"/>
           </a:xfrm>
         </p:spPr>
@@ -9106,141 +9226,6 @@
               <a:t>ADC</a:t>
             </a:r>
             <a:endParaRPr lang="ru-RU" sz="4000" dirty="0"/>
-          </a:p>
-        </p:txBody>
-      </p:sp>
-      <p:sp>
-        <p:nvSpPr>
-          <p:cNvPr id="3" name="Объект 2"/>
-          <p:cNvSpPr>
-            <a:spLocks noGrp="1"/>
-          </p:cNvSpPr>
-          <p:nvPr>
-            <p:ph idx="1"/>
-          </p:nvPr>
-        </p:nvSpPr>
-        <p:spPr>
-          <a:xfrm>
-            <a:off x="482600" y="1142030"/>
-            <a:ext cx="11099800" cy="5579446"/>
-          </a:xfrm>
-        </p:spPr>
-        <p:txBody>
-          <a:bodyPr>
-            <a:noAutofit/>
-          </a:bodyPr>
-          <a:lstStyle/>
-          <a:p>
-            <a:pPr marL="0" indent="625475" algn="just">
-              <a:buNone/>
-            </a:pPr>
-            <a:r>
-              <a:rPr lang="ru-RU" dirty="0" err="1" smtClean="0"/>
-              <a:t>ATmega</a:t>
-            </a:r>
-            <a:r>
-              <a:rPr lang="en-US" dirty="0" smtClean="0"/>
-              <a:t>32f</a:t>
-            </a:r>
-            <a:r>
-              <a:rPr lang="ru-RU" dirty="0" smtClean="0"/>
-              <a:t> </a:t>
-            </a:r>
-            <a:r>
-              <a:rPr lang="ru-RU" dirty="0"/>
-              <a:t>содержит 10-разр. ADC последовательного приближения. ADC связан с 8-канальным аналоговым мультиплексором, 8 однополярных (недифференциальных) входов которого </a:t>
-            </a:r>
-            <a:r>
-              <a:rPr lang="ru-RU" dirty="0" smtClean="0"/>
-              <a:t>связаны </a:t>
-            </a:r>
-            <a:r>
-              <a:rPr lang="ru-RU" dirty="0"/>
-              <a:t>с ножками порта A. </a:t>
-            </a:r>
-            <a:endParaRPr lang="en-US" dirty="0" smtClean="0"/>
-          </a:p>
-          <a:p>
-            <a:pPr marL="0" indent="625475" algn="just">
-              <a:buNone/>
-            </a:pPr>
-            <a:r>
-              <a:rPr lang="ru-RU" dirty="0"/>
-              <a:t>Время преобразования 13 - 260 </a:t>
-            </a:r>
-            <a:r>
-              <a:rPr lang="ru-RU" dirty="0" err="1" smtClean="0"/>
-              <a:t>мкс</a:t>
-            </a:r>
-            <a:endParaRPr lang="en-US" dirty="0" smtClean="0"/>
-          </a:p>
-          <a:p>
-            <a:pPr marL="0" indent="625475" algn="just">
-              <a:buNone/>
-            </a:pPr>
-            <a:r>
-              <a:rPr lang="ru-RU" dirty="0"/>
-              <a:t>Диапазон входного напряжения ADC </a:t>
-            </a:r>
-            <a:r>
-              <a:rPr lang="ru-RU" dirty="0" smtClean="0"/>
-              <a:t>0…VCC</a:t>
-            </a:r>
-            <a:endParaRPr lang="en-US" dirty="0" smtClean="0"/>
-          </a:p>
-          <a:p>
-            <a:pPr marL="0" indent="625475" algn="just">
-              <a:buNone/>
-            </a:pPr>
-            <a:r>
-              <a:rPr lang="ru-RU" dirty="0"/>
-              <a:t>Интегральная нелинейность 0.5 мл. </a:t>
-            </a:r>
-            <a:r>
-              <a:rPr lang="ru-RU" dirty="0" err="1"/>
-              <a:t>разр</a:t>
-            </a:r>
-            <a:r>
-              <a:rPr lang="ru-RU" dirty="0"/>
-              <a:t>.</a:t>
-            </a:r>
-            <a:endParaRPr lang="en-US" dirty="0" smtClean="0"/>
-          </a:p>
-          <a:p>
-            <a:pPr marL="0" indent="625475" algn="just">
-              <a:buNone/>
-            </a:pPr>
-            <a:r>
-              <a:rPr lang="ru-RU" dirty="0"/>
-              <a:t>Абсолютная погрешность ±2 мл. </a:t>
-            </a:r>
-            <a:r>
-              <a:rPr lang="ru-RU" dirty="0" err="1"/>
-              <a:t>разр</a:t>
-            </a:r>
-            <a:r>
-              <a:rPr lang="ru-RU" dirty="0" smtClean="0"/>
-              <a:t>.</a:t>
-            </a:r>
-            <a:endParaRPr lang="en-US" dirty="0"/>
-          </a:p>
-          <a:p>
-            <a:pPr marL="0" indent="625475" algn="just">
-              <a:buNone/>
-            </a:pPr>
-            <a:r>
-              <a:rPr lang="ru-RU" dirty="0"/>
-              <a:t>Частота преобразования до 15 тыс. </a:t>
-            </a:r>
-            <a:r>
-              <a:rPr lang="ru-RU" dirty="0" err="1"/>
-              <a:t>преобр</a:t>
-            </a:r>
-            <a:r>
-              <a:rPr lang="ru-RU" dirty="0"/>
-              <a:t>. в сек. при максимальном разрешении</a:t>
-            </a:r>
-            <a:endParaRPr lang="ru-RU" dirty="0" smtClean="0"/>
           </a:p>
         </p:txBody>
       </p:sp>
@@ -9264,47 +9249,13 @@
               <a:pPr/>
               <a:t>26</a:t>
             </a:fld>
-            <a:endParaRPr lang="ru-RU"/>
+            <a:endParaRPr lang="ru-RU" dirty="0"/>
           </a:p>
         </p:txBody>
       </p:sp>
       <p:pic>
         <p:nvPicPr>
           <p:cNvPr id="11" name="Obraz 6" descr="pie_logo"/>
-          <p:cNvPicPr>
-            <a:picLocks noChangeAspect="1" noChangeArrowheads="1"/>
-          </p:cNvPicPr>
-          <p:nvPr/>
-        </p:nvPicPr>
-        <p:blipFill>
-          <a:blip r:embed="rId2" cstate="print"/>
-          <a:srcRect/>
-          <a:stretch>
-            <a:fillRect/>
-          </a:stretch>
-        </p:blipFill>
-        <p:spPr bwMode="auto">
-          <a:xfrm>
-            <a:off x="285720" y="213989"/>
-            <a:ext cx="2786082" cy="679427"/>
-          </a:xfrm>
-          <a:prstGeom prst="rect">
-            <a:avLst/>
-          </a:prstGeom>
-          <a:solidFill>
-            <a:schemeClr val="bg1"/>
-          </a:solidFill>
-          <a:ln w="9525">
-            <a:noFill/>
-            <a:miter lim="800000"/>
-            <a:headEnd/>
-            <a:tailEnd/>
-          </a:ln>
-        </p:spPr>
-      </p:pic>
-      <p:pic>
-        <p:nvPicPr>
-          <p:cNvPr id="12" name="Picture 2" descr="C:\Users\alexi_000\Desktop\ECM\DESIGNS\APPLE\LOGO\apple_logo_empty1_png.png"/>
           <p:cNvPicPr>
             <a:picLocks noChangeAspect="1" noChangeArrowheads="1"/>
           </p:cNvPicPr>
@@ -9319,18 +9270,26 @@
         </p:blipFill>
         <p:spPr bwMode="auto">
           <a:xfrm>
-            <a:off x="9337911" y="0"/>
-            <a:ext cx="2614907" cy="841345"/>
+            <a:off x="285720" y="213989"/>
+            <a:ext cx="2786082" cy="679427"/>
           </a:xfrm>
           <a:prstGeom prst="rect">
             <a:avLst/>
           </a:prstGeom>
-          <a:noFill/>
+          <a:solidFill>
+            <a:schemeClr val="bg1"/>
+          </a:solidFill>
+          <a:ln w="9525">
+            <a:noFill/>
+            <a:miter lim="800000"/>
+            <a:headEnd/>
+            <a:tailEnd/>
+          </a:ln>
         </p:spPr>
       </p:pic>
       <p:pic>
         <p:nvPicPr>
-          <p:cNvPr id="13" name="Picture 2" descr="C:\AASir\Mamba-new\Apple\Application\SibFU_logo_horizontal.png"/>
+          <p:cNvPr id="12" name="Picture 2" descr="C:\Users\alexi_000\Desktop\ECM\DESIGNS\APPLE\LOGO\apple_logo_empty1_png.png"/>
           <p:cNvPicPr>
             <a:picLocks noChangeAspect="1" noChangeArrowheads="1"/>
           </p:cNvPicPr>
@@ -9345,6 +9304,32 @@
         </p:blipFill>
         <p:spPr bwMode="auto">
           <a:xfrm>
+            <a:off x="9337911" y="0"/>
+            <a:ext cx="2614907" cy="841345"/>
+          </a:xfrm>
+          <a:prstGeom prst="rect">
+            <a:avLst/>
+          </a:prstGeom>
+          <a:noFill/>
+        </p:spPr>
+      </p:pic>
+      <p:pic>
+        <p:nvPicPr>
+          <p:cNvPr id="13" name="Picture 2" descr="C:\AASir\Mamba-new\Apple\Application\SibFU_logo_horizontal.png"/>
+          <p:cNvPicPr>
+            <a:picLocks noChangeAspect="1" noChangeArrowheads="1"/>
+          </p:cNvPicPr>
+          <p:nvPr/>
+        </p:nvPicPr>
+        <p:blipFill>
+          <a:blip r:embed="rId5" cstate="print"/>
+          <a:srcRect/>
+          <a:stretch>
+            <a:fillRect/>
+          </a:stretch>
+        </p:blipFill>
+        <p:spPr bwMode="auto">
+          <a:xfrm>
             <a:off x="8154315" y="6174805"/>
             <a:ext cx="3324222" cy="516941"/>
           </a:xfrm>
@@ -9357,7 +9342,7 @@
     </p:spTree>
     <p:extLst>
       <p:ext uri="{BB962C8B-B14F-4D97-AF65-F5344CB8AC3E}">
-        <p14:creationId xmlns:p14="http://schemas.microsoft.com/office/powerpoint/2010/main" val="1704154220"/>
+        <p14:creationId xmlns:p14="http://schemas.microsoft.com/office/powerpoint/2010/main" val="2297100655"/>
       </p:ext>
     </p:extLst>
   </p:cSld>
@@ -9391,30 +9376,6 @@
           <a:chExt cx="0" cy="0"/>
         </a:xfrm>
       </p:grpSpPr>
-      <p:pic>
-        <p:nvPicPr>
-          <p:cNvPr id="5" name="Рисунок 4"/>
-          <p:cNvPicPr>
-            <a:picLocks noChangeAspect="1"/>
-          </p:cNvPicPr>
-          <p:nvPr/>
-        </p:nvPicPr>
-        <p:blipFill>
-          <a:blip r:embed="rId2"/>
-          <a:stretch>
-            <a:fillRect/>
-          </a:stretch>
-        </p:blipFill>
-        <p:spPr>
-          <a:xfrm>
-            <a:off x="2115717" y="553702"/>
-            <a:ext cx="8576290" cy="6281054"/>
-          </a:xfrm>
-          <a:prstGeom prst="rect">
-            <a:avLst/>
-          </a:prstGeom>
-        </p:spPr>
-      </p:pic>
       <p:sp>
         <p:nvSpPr>
           <p:cNvPr id="2" name="Заголовок 1"/>
@@ -9427,7 +9388,7 @@
         </p:nvSpPr>
         <p:spPr>
           <a:xfrm>
-            <a:off x="505737" y="-249584"/>
+            <a:off x="718457" y="602904"/>
             <a:ext cx="10972800" cy="1143000"/>
           </a:xfrm>
         </p:spPr>
@@ -9438,8 +9399,24 @@
           <a:lstStyle/>
           <a:p>
             <a:r>
+              <a:rPr lang="ru-RU" sz="4000" dirty="0"/>
+              <a:t>Жидкокристаллический </a:t>
+            </a:r>
+            <a:r>
+              <a:rPr lang="ru-RU" sz="4000" dirty="0" smtClean="0"/>
+              <a:t>индикатор</a:t>
+            </a:r>
+            <a:r>
               <a:rPr lang="en-US" sz="4000" dirty="0" smtClean="0"/>
-              <a:t>ADC</a:t>
+              <a:t> (</a:t>
+            </a:r>
+            <a:r>
+              <a:rPr lang="ru-RU" sz="4000" dirty="0" smtClean="0"/>
+              <a:t>ЖКИ</a:t>
+            </a:r>
+            <a:r>
+              <a:rPr lang="en-US" sz="4000" dirty="0" smtClean="0"/>
+              <a:t>)</a:t>
             </a:r>
             <a:endParaRPr lang="ru-RU" sz="4000" dirty="0"/>
           </a:p>
@@ -9472,6 +9449,40 @@
       <p:pic>
         <p:nvPicPr>
           <p:cNvPr id="11" name="Obraz 6" descr="pie_logo"/>
+          <p:cNvPicPr>
+            <a:picLocks noChangeAspect="1" noChangeArrowheads="1"/>
+          </p:cNvPicPr>
+          <p:nvPr/>
+        </p:nvPicPr>
+        <p:blipFill>
+          <a:blip r:embed="rId2" cstate="print"/>
+          <a:srcRect/>
+          <a:stretch>
+            <a:fillRect/>
+          </a:stretch>
+        </p:blipFill>
+        <p:spPr bwMode="auto">
+          <a:xfrm>
+            <a:off x="285720" y="213989"/>
+            <a:ext cx="2786082" cy="679427"/>
+          </a:xfrm>
+          <a:prstGeom prst="rect">
+            <a:avLst/>
+          </a:prstGeom>
+          <a:solidFill>
+            <a:schemeClr val="bg1"/>
+          </a:solidFill>
+          <a:ln w="9525">
+            <a:noFill/>
+            <a:miter lim="800000"/>
+            <a:headEnd/>
+            <a:tailEnd/>
+          </a:ln>
+        </p:spPr>
+      </p:pic>
+      <p:pic>
+        <p:nvPicPr>
+          <p:cNvPr id="12" name="Picture 2" descr="C:\Users\alexi_000\Desktop\ECM\DESIGNS\APPLE\LOGO\apple_logo_empty1_png.png"/>
           <p:cNvPicPr>
             <a:picLocks noChangeAspect="1" noChangeArrowheads="1"/>
           </p:cNvPicPr>
@@ -9486,26 +9497,18 @@
         </p:blipFill>
         <p:spPr bwMode="auto">
           <a:xfrm>
-            <a:off x="285720" y="213989"/>
-            <a:ext cx="2786082" cy="679427"/>
+            <a:off x="9337911" y="0"/>
+            <a:ext cx="2614907" cy="841345"/>
           </a:xfrm>
           <a:prstGeom prst="rect">
             <a:avLst/>
           </a:prstGeom>
-          <a:solidFill>
-            <a:schemeClr val="bg1"/>
-          </a:solidFill>
-          <a:ln w="9525">
-            <a:noFill/>
-            <a:miter lim="800000"/>
-            <a:headEnd/>
-            <a:tailEnd/>
-          </a:ln>
+          <a:noFill/>
         </p:spPr>
       </p:pic>
       <p:pic>
         <p:nvPicPr>
-          <p:cNvPr id="12" name="Picture 2" descr="C:\Users\alexi_000\Desktop\ECM\DESIGNS\APPLE\LOGO\apple_logo_empty1_png.png"/>
+          <p:cNvPr id="13" name="Picture 2" descr="C:\AASir\Mamba-new\Apple\Application\SibFU_logo_horizontal.png"/>
           <p:cNvPicPr>
             <a:picLocks noChangeAspect="1" noChangeArrowheads="1"/>
           </p:cNvPicPr>
@@ -9520,8 +9523,8 @@
         </p:blipFill>
         <p:spPr bwMode="auto">
           <a:xfrm>
-            <a:off x="9337911" y="0"/>
-            <a:ext cx="2614907" cy="841345"/>
+            <a:off x="8154315" y="6174805"/>
+            <a:ext cx="3324222" cy="516941"/>
           </a:xfrm>
           <a:prstGeom prst="rect">
             <a:avLst/>
@@ -9531,34 +9534,119 @@
       </p:pic>
       <p:pic>
         <p:nvPicPr>
-          <p:cNvPr id="13" name="Picture 2" descr="C:\AASir\Mamba-new\Apple\Application\SibFU_logo_horizontal.png"/>
+          <p:cNvPr id="3" name="Рисунок 2"/>
           <p:cNvPicPr>
-            <a:picLocks noChangeAspect="1" noChangeArrowheads="1"/>
+            <a:picLocks noChangeAspect="1"/>
           </p:cNvPicPr>
           <p:nvPr/>
         </p:nvPicPr>
         <p:blipFill>
-          <a:blip r:embed="rId5" cstate="print"/>
-          <a:srcRect/>
+          <a:blip r:embed="rId5">
+            <a:extLst>
+              <a:ext uri="{28A0092B-C50C-407E-A947-70E740481C1C}">
+                <a14:useLocalDpi xmlns:a14="http://schemas.microsoft.com/office/drawing/2010/main" val="0"/>
+              </a:ext>
+            </a:extLst>
+          </a:blip>
           <a:stretch>
             <a:fillRect/>
           </a:stretch>
         </p:blipFill>
-        <p:spPr bwMode="auto">
-          <a:xfrm>
-            <a:off x="8154315" y="6174805"/>
-            <a:ext cx="3324222" cy="516941"/>
+        <p:spPr>
+          <a:xfrm>
+            <a:off x="3638246" y="3608451"/>
+            <a:ext cx="5486400" cy="1984248"/>
           </a:xfrm>
           <a:prstGeom prst="rect">
             <a:avLst/>
           </a:prstGeom>
-          <a:noFill/>
         </p:spPr>
       </p:pic>
+      <p:sp>
+        <p:nvSpPr>
+          <p:cNvPr id="6" name="Прямоугольник 5"/>
+          <p:cNvSpPr/>
+          <p:nvPr/>
+        </p:nvSpPr>
+        <p:spPr>
+          <a:xfrm>
+            <a:off x="1162050" y="1656487"/>
+            <a:ext cx="10591800" cy="1754326"/>
+          </a:xfrm>
+          <a:prstGeom prst="rect">
+            <a:avLst/>
+          </a:prstGeom>
+        </p:spPr>
+        <p:txBody>
+          <a:bodyPr wrap="square">
+            <a:spAutoFit/>
+          </a:bodyPr>
+          <a:lstStyle/>
+          <a:p>
+            <a:pPr indent="625475" algn="just"/>
+            <a:r>
+              <a:rPr lang="ru-RU" dirty="0"/>
+              <a:t>На стенде </a:t>
+            </a:r>
+            <a:r>
+              <a:rPr lang="ru-RU" dirty="0" smtClean="0"/>
+              <a:t>усыновлён ЖКИ </a:t>
+            </a:r>
+            <a:r>
+              <a:rPr lang="en-US" dirty="0" smtClean="0"/>
+              <a:t>p</a:t>
+            </a:r>
+            <a:r>
+              <a:rPr lang="ru-RU" dirty="0" smtClean="0"/>
+              <a:t>1602 с контроллером </a:t>
+            </a:r>
+            <a:r>
+              <a:rPr lang="en-US" dirty="0" smtClean="0"/>
+              <a:t>HD44780</a:t>
+            </a:r>
+            <a:r>
+              <a:rPr lang="ru-RU" dirty="0" smtClean="0"/>
+              <a:t>. Данный контроллер подключён по 4-разрядной шине данных</a:t>
+            </a:r>
+            <a:r>
+              <a:rPr lang="en-US" dirty="0" smtClean="0"/>
+              <a:t> </a:t>
+            </a:r>
+            <a:r>
+              <a:rPr lang="ru-RU" dirty="0" smtClean="0"/>
+              <a:t>и имеет разрешение 16х2. ЖКИ является символьным и способен отображать символы заложенные в памяти  контроллера </a:t>
+            </a:r>
+            <a:r>
+              <a:rPr lang="en-US" dirty="0" smtClean="0"/>
+              <a:t>HD44780</a:t>
+            </a:r>
+            <a:r>
+              <a:rPr lang="ru-RU" dirty="0" smtClean="0"/>
+              <a:t> полный перечень символов можно найти в </a:t>
+            </a:r>
+            <a:r>
+              <a:rPr lang="en-US" dirty="0" smtClean="0"/>
+              <a:t>datasheet-</a:t>
+            </a:r>
+            <a:r>
+              <a:rPr lang="ru-RU" dirty="0" smtClean="0"/>
+              <a:t>е модели ЖКИ. Символы обычно представлены в виде  таблице </a:t>
+            </a:r>
+            <a:r>
+              <a:rPr lang="en-US" dirty="0" smtClean="0"/>
+              <a:t>ASKII</a:t>
+            </a:r>
+            <a:r>
+              <a:rPr lang="ru-RU" dirty="0" smtClean="0"/>
+              <a:t>. Также помимо фиксированной таблице символов есть возможность гарнировать пользовательские символ в размере 8 штук.</a:t>
+            </a:r>
+          </a:p>
+        </p:txBody>
+      </p:sp>
     </p:spTree>
     <p:extLst>
       <p:ext uri="{BB962C8B-B14F-4D97-AF65-F5344CB8AC3E}">
-        <p14:creationId xmlns:p14="http://schemas.microsoft.com/office/powerpoint/2010/main" val="2297100655"/>
+        <p14:creationId xmlns:p14="http://schemas.microsoft.com/office/powerpoint/2010/main" val="3638515591"/>
       </p:ext>
     </p:extLst>
   </p:cSld>
@@ -9604,7 +9692,7 @@
         </p:nvSpPr>
         <p:spPr>
           <a:xfrm>
-            <a:off x="718457" y="602904"/>
+            <a:off x="957639" y="-150828"/>
             <a:ext cx="10972800" cy="1143000"/>
           </a:xfrm>
         </p:spPr>
@@ -9615,24 +9703,8 @@
           <a:lstStyle/>
           <a:p>
             <a:r>
-              <a:rPr lang="ru-RU" sz="4000" dirty="0"/>
-              <a:t>Жидкокристаллический </a:t>
-            </a:r>
-            <a:r>
-              <a:rPr lang="ru-RU" sz="4000" dirty="0" smtClean="0"/>
-              <a:t>индикатор</a:t>
-            </a:r>
-            <a:r>
-              <a:rPr lang="en-US" sz="4000" dirty="0" smtClean="0"/>
-              <a:t> (</a:t>
-            </a:r>
-            <a:r>
-              <a:rPr lang="ru-RU" sz="4000" dirty="0" smtClean="0"/>
-              <a:t>ЖКИ</a:t>
-            </a:r>
-            <a:r>
-              <a:rPr lang="en-US" sz="4000" dirty="0" smtClean="0"/>
-              <a:t>)</a:t>
+              <a:rPr lang="en-US" sz="3600" dirty="0" smtClean="0"/>
+              <a:t>Pinout LCD p1602</a:t>
             </a:r>
             <a:endParaRPr lang="ru-RU" sz="4000" dirty="0"/>
           </a:p>
@@ -9648,7 +9720,12 @@
             <p:ph type="sldNum" sz="quarter" idx="12"/>
           </p:nvPr>
         </p:nvSpPr>
-        <p:spPr/>
+        <p:spPr>
+          <a:xfrm>
+            <a:off x="8976782" y="6356351"/>
+            <a:ext cx="2844800" cy="365125"/>
+          </a:xfrm>
+        </p:spPr>
         <p:txBody>
           <a:bodyPr/>
           <a:lstStyle/>
@@ -9657,299 +9734,6 @@
               <a:rPr lang="ru-RU" smtClean="0"/>
               <a:pPr/>
               <a:t>28</a:t>
-            </a:fld>
-            <a:endParaRPr lang="ru-RU" dirty="0"/>
-          </a:p>
-        </p:txBody>
-      </p:sp>
-      <p:pic>
-        <p:nvPicPr>
-          <p:cNvPr id="11" name="Obraz 6" descr="pie_logo"/>
-          <p:cNvPicPr>
-            <a:picLocks noChangeAspect="1" noChangeArrowheads="1"/>
-          </p:cNvPicPr>
-          <p:nvPr/>
-        </p:nvPicPr>
-        <p:blipFill>
-          <a:blip r:embed="rId2" cstate="print"/>
-          <a:srcRect/>
-          <a:stretch>
-            <a:fillRect/>
-          </a:stretch>
-        </p:blipFill>
-        <p:spPr bwMode="auto">
-          <a:xfrm>
-            <a:off x="285720" y="213989"/>
-            <a:ext cx="2786082" cy="679427"/>
-          </a:xfrm>
-          <a:prstGeom prst="rect">
-            <a:avLst/>
-          </a:prstGeom>
-          <a:solidFill>
-            <a:schemeClr val="bg1"/>
-          </a:solidFill>
-          <a:ln w="9525">
-            <a:noFill/>
-            <a:miter lim="800000"/>
-            <a:headEnd/>
-            <a:tailEnd/>
-          </a:ln>
-        </p:spPr>
-      </p:pic>
-      <p:pic>
-        <p:nvPicPr>
-          <p:cNvPr id="12" name="Picture 2" descr="C:\Users\alexi_000\Desktop\ECM\DESIGNS\APPLE\LOGO\apple_logo_empty1_png.png"/>
-          <p:cNvPicPr>
-            <a:picLocks noChangeAspect="1" noChangeArrowheads="1"/>
-          </p:cNvPicPr>
-          <p:nvPr/>
-        </p:nvPicPr>
-        <p:blipFill>
-          <a:blip r:embed="rId3" cstate="print"/>
-          <a:srcRect/>
-          <a:stretch>
-            <a:fillRect/>
-          </a:stretch>
-        </p:blipFill>
-        <p:spPr bwMode="auto">
-          <a:xfrm>
-            <a:off x="9337911" y="0"/>
-            <a:ext cx="2614907" cy="841345"/>
-          </a:xfrm>
-          <a:prstGeom prst="rect">
-            <a:avLst/>
-          </a:prstGeom>
-          <a:noFill/>
-        </p:spPr>
-      </p:pic>
-      <p:pic>
-        <p:nvPicPr>
-          <p:cNvPr id="13" name="Picture 2" descr="C:\AASir\Mamba-new\Apple\Application\SibFU_logo_horizontal.png"/>
-          <p:cNvPicPr>
-            <a:picLocks noChangeAspect="1" noChangeArrowheads="1"/>
-          </p:cNvPicPr>
-          <p:nvPr/>
-        </p:nvPicPr>
-        <p:blipFill>
-          <a:blip r:embed="rId4" cstate="print"/>
-          <a:srcRect/>
-          <a:stretch>
-            <a:fillRect/>
-          </a:stretch>
-        </p:blipFill>
-        <p:spPr bwMode="auto">
-          <a:xfrm>
-            <a:off x="8154315" y="6174805"/>
-            <a:ext cx="3324222" cy="516941"/>
-          </a:xfrm>
-          <a:prstGeom prst="rect">
-            <a:avLst/>
-          </a:prstGeom>
-          <a:noFill/>
-        </p:spPr>
-      </p:pic>
-      <p:pic>
-        <p:nvPicPr>
-          <p:cNvPr id="3" name="Рисунок 2"/>
-          <p:cNvPicPr>
-            <a:picLocks noChangeAspect="1"/>
-          </p:cNvPicPr>
-          <p:nvPr/>
-        </p:nvPicPr>
-        <p:blipFill>
-          <a:blip r:embed="rId5">
-            <a:extLst>
-              <a:ext uri="{28A0092B-C50C-407E-A947-70E740481C1C}">
-                <a14:useLocalDpi xmlns:a14="http://schemas.microsoft.com/office/drawing/2010/main" val="0"/>
-              </a:ext>
-            </a:extLst>
-          </a:blip>
-          <a:stretch>
-            <a:fillRect/>
-          </a:stretch>
-        </p:blipFill>
-        <p:spPr>
-          <a:xfrm>
-            <a:off x="3638246" y="3608451"/>
-            <a:ext cx="5486400" cy="1984248"/>
-          </a:xfrm>
-          <a:prstGeom prst="rect">
-            <a:avLst/>
-          </a:prstGeom>
-        </p:spPr>
-      </p:pic>
-      <p:sp>
-        <p:nvSpPr>
-          <p:cNvPr id="6" name="Прямоугольник 5"/>
-          <p:cNvSpPr/>
-          <p:nvPr/>
-        </p:nvSpPr>
-        <p:spPr>
-          <a:xfrm>
-            <a:off x="1162050" y="1656487"/>
-            <a:ext cx="10591800" cy="1754326"/>
-          </a:xfrm>
-          <a:prstGeom prst="rect">
-            <a:avLst/>
-          </a:prstGeom>
-        </p:spPr>
-        <p:txBody>
-          <a:bodyPr wrap="square">
-            <a:spAutoFit/>
-          </a:bodyPr>
-          <a:lstStyle/>
-          <a:p>
-            <a:pPr indent="625475" algn="just"/>
-            <a:r>
-              <a:rPr lang="ru-RU" dirty="0"/>
-              <a:t>На стенде </a:t>
-            </a:r>
-            <a:r>
-              <a:rPr lang="ru-RU" dirty="0" smtClean="0"/>
-              <a:t>усыновлён ЖКИ </a:t>
-            </a:r>
-            <a:r>
-              <a:rPr lang="en-US" dirty="0" smtClean="0"/>
-              <a:t>p</a:t>
-            </a:r>
-            <a:r>
-              <a:rPr lang="ru-RU" dirty="0" smtClean="0"/>
-              <a:t>1602 с контроллером </a:t>
-            </a:r>
-            <a:r>
-              <a:rPr lang="en-US" dirty="0" smtClean="0"/>
-              <a:t>HD44780</a:t>
-            </a:r>
-            <a:r>
-              <a:rPr lang="ru-RU" dirty="0" smtClean="0"/>
-              <a:t>. Данный контроллер подключён по 4-разрядной шине данных</a:t>
-            </a:r>
-            <a:r>
-              <a:rPr lang="en-US" dirty="0" smtClean="0"/>
-              <a:t> </a:t>
-            </a:r>
-            <a:r>
-              <a:rPr lang="ru-RU" dirty="0" smtClean="0"/>
-              <a:t>и имеет разрешение 16х2. ЖКИ является символьным и способен отображать символы заложенные в памяти  контроллера </a:t>
-            </a:r>
-            <a:r>
-              <a:rPr lang="en-US" dirty="0" smtClean="0"/>
-              <a:t>HD44780</a:t>
-            </a:r>
-            <a:r>
-              <a:rPr lang="ru-RU" dirty="0" smtClean="0"/>
-              <a:t> полный перечень символов можно найти в </a:t>
-            </a:r>
-            <a:r>
-              <a:rPr lang="en-US" dirty="0" smtClean="0"/>
-              <a:t>datasheet-</a:t>
-            </a:r>
-            <a:r>
-              <a:rPr lang="ru-RU" dirty="0" smtClean="0"/>
-              <a:t>е модели ЖКИ. Символы обычно представлены в виде  таблице </a:t>
-            </a:r>
-            <a:r>
-              <a:rPr lang="en-US" dirty="0" smtClean="0"/>
-              <a:t>ASKII</a:t>
-            </a:r>
-            <a:r>
-              <a:rPr lang="ru-RU" dirty="0" smtClean="0"/>
-              <a:t>. Также помимо фиксированной таблице символов есть возможность гарнировать пользовательские символ в размере 8 штук.</a:t>
-            </a:r>
-          </a:p>
-        </p:txBody>
-      </p:sp>
-    </p:spTree>
-    <p:extLst>
-      <p:ext uri="{BB962C8B-B14F-4D97-AF65-F5344CB8AC3E}">
-        <p14:creationId xmlns:p14="http://schemas.microsoft.com/office/powerpoint/2010/main" val="3638515591"/>
-      </p:ext>
-    </p:extLst>
-  </p:cSld>
-  <p:clrMapOvr>
-    <a:masterClrMapping/>
-  </p:clrMapOvr>
-  <p:timing>
-    <p:tnLst>
-      <p:par>
-        <p:cTn id="1" dur="indefinite" restart="never" nodeType="tmRoot"/>
-      </p:par>
-    </p:tnLst>
-  </p:timing>
-</p:sld>
-</file>
-
-<file path=ppt/slides/slide29.xml><?xml version="1.0" encoding="utf-8"?>
-<p:sld xmlns:a="http://schemas.openxmlformats.org/drawingml/2006/main" xmlns:r="http://schemas.openxmlformats.org/officeDocument/2006/relationships" xmlns:p="http://schemas.openxmlformats.org/presentationml/2006/main">
-  <p:cSld>
-    <p:spTree>
-      <p:nvGrpSpPr>
-        <p:cNvPr id="1" name=""/>
-        <p:cNvGrpSpPr/>
-        <p:nvPr/>
-      </p:nvGrpSpPr>
-      <p:grpSpPr>
-        <a:xfrm>
-          <a:off x="0" y="0"/>
-          <a:ext cx="0" cy="0"/>
-          <a:chOff x="0" y="0"/>
-          <a:chExt cx="0" cy="0"/>
-        </a:xfrm>
-      </p:grpSpPr>
-      <p:sp>
-        <p:nvSpPr>
-          <p:cNvPr id="2" name="Заголовок 1"/>
-          <p:cNvSpPr>
-            <a:spLocks noGrp="1"/>
-          </p:cNvSpPr>
-          <p:nvPr>
-            <p:ph type="title"/>
-          </p:nvPr>
-        </p:nvSpPr>
-        <p:spPr>
-          <a:xfrm>
-            <a:off x="957639" y="-150828"/>
-            <a:ext cx="10972800" cy="1143000"/>
-          </a:xfrm>
-        </p:spPr>
-        <p:txBody>
-          <a:bodyPr>
-            <a:normAutofit/>
-          </a:bodyPr>
-          <a:lstStyle/>
-          <a:p>
-            <a:r>
-              <a:rPr lang="en-US" sz="3600" dirty="0" smtClean="0"/>
-              <a:t>Pinout LCD p1602</a:t>
-            </a:r>
-            <a:endParaRPr lang="ru-RU" sz="4000" dirty="0"/>
-          </a:p>
-        </p:txBody>
-      </p:sp>
-      <p:sp>
-        <p:nvSpPr>
-          <p:cNvPr id="4" name="Номер слайда 3"/>
-          <p:cNvSpPr>
-            <a:spLocks noGrp="1"/>
-          </p:cNvSpPr>
-          <p:nvPr>
-            <p:ph type="sldNum" sz="quarter" idx="12"/>
-          </p:nvPr>
-        </p:nvSpPr>
-        <p:spPr>
-          <a:xfrm>
-            <a:off x="8976782" y="6356351"/>
-            <a:ext cx="2844800" cy="365125"/>
-          </a:xfrm>
-        </p:spPr>
-        <p:txBody>
-          <a:bodyPr/>
-          <a:lstStyle/>
-          <a:p>
-            <a:fld id="{B18FE503-A4D1-4EBB-BF0E-71566B133E7C}" type="slidenum">
-              <a:rPr lang="ru-RU" smtClean="0"/>
-              <a:pPr/>
-              <a:t>29</a:t>
             </a:fld>
             <a:endParaRPr lang="ru-RU"/>
           </a:p>
